--- a/presentation/report.pptx
+++ b/presentation/report.pptx
@@ -12,6 +12,12 @@
     <p:sldId id="260" r:id="rId6"/>
     <p:sldId id="261" r:id="rId7"/>
     <p:sldId id="262" r:id="rId8"/>
+    <p:sldId id="263" r:id="rId9"/>
+    <p:sldId id="264" r:id="rId10"/>
+    <p:sldId id="265" r:id="rId11"/>
+    <p:sldId id="266" r:id="rId12"/>
+    <p:sldId id="267" r:id="rId13"/>
+    <p:sldId id="268" r:id="rId14"/>
   </p:sldIdLst>
   <p:sldSz cx="12192000" cy="6858000"/>
   <p:notesSz cx="6858000" cy="9144000"/>
@@ -112,7 +118,7 @@
   </p:defaultTextStyle>
   <p:extLst>
     <p:ext uri="{EFAFB233-063F-42B5-8137-9DF3F51BA10A}">
-      <p15:sldGuideLst xmlns:p15="http://schemas.microsoft.com/office/powerpoint/2012/main"/>
+      <p15:sldGuideLst xmlns:p15="http://schemas.microsoft.com/office/powerpoint/2012/main" xmlns=""/>
     </p:ext>
   </p:extLst>
 </p:presentation>
@@ -140,7 +146,7 @@
           <p:cNvPr id="2" name="Tiêu đề 1">
             <a:extLst>
               <a:ext uri="{FF2B5EF4-FFF2-40B4-BE49-F238E27FC236}">
-                <a16:creationId xmlns:a16="http://schemas.microsoft.com/office/drawing/2014/main" id="{02242D89-D5F4-4E4A-9BA4-C7DFFECE715E}"/>
+                <a16:creationId xmlns:a16="http://schemas.microsoft.com/office/drawing/2014/main" xmlns="" id="{02242D89-D5F4-4E4A-9BA4-C7DFFECE715E}"/>
               </a:ext>
             </a:extLst>
           </p:cNvPr>
@@ -177,7 +183,7 @@
           <p:cNvPr id="3" name="Tiêu đề phụ 2">
             <a:extLst>
               <a:ext uri="{FF2B5EF4-FFF2-40B4-BE49-F238E27FC236}">
-                <a16:creationId xmlns:a16="http://schemas.microsoft.com/office/drawing/2014/main" id="{094DB6B1-C9AA-4033-92B9-271D3A827628}"/>
+                <a16:creationId xmlns:a16="http://schemas.microsoft.com/office/drawing/2014/main" xmlns="" id="{094DB6B1-C9AA-4033-92B9-271D3A827628}"/>
               </a:ext>
             </a:extLst>
           </p:cNvPr>
@@ -247,7 +253,7 @@
           <p:cNvPr id="4" name="Chỗ dành sẵn cho Ngày tháng 3">
             <a:extLst>
               <a:ext uri="{FF2B5EF4-FFF2-40B4-BE49-F238E27FC236}">
-                <a16:creationId xmlns:a16="http://schemas.microsoft.com/office/drawing/2014/main" id="{FAF650ED-9D7B-468D-83A3-6DB0498623FC}"/>
+                <a16:creationId xmlns:a16="http://schemas.microsoft.com/office/drawing/2014/main" xmlns="" id="{FAF650ED-9D7B-468D-83A3-6DB0498623FC}"/>
               </a:ext>
             </a:extLst>
           </p:cNvPr>
@@ -265,7 +271,8 @@
           <a:p>
             <a:fld id="{1821D8CE-0800-4AA8-B245-35AAA5DAD350}" type="datetimeFigureOut">
               <a:rPr lang="vi-VN" smtClean="0"/>
-              <a:t>01/01/2021</a:t>
+              <a:pPr/>
+              <a:t>14/01/2021</a:t>
             </a:fld>
             <a:endParaRPr lang="vi-VN"/>
           </a:p>
@@ -276,7 +283,7 @@
           <p:cNvPr id="5" name="Chỗ dành sẵn cho Chân trang 4">
             <a:extLst>
               <a:ext uri="{FF2B5EF4-FFF2-40B4-BE49-F238E27FC236}">
-                <a16:creationId xmlns:a16="http://schemas.microsoft.com/office/drawing/2014/main" id="{AA12FD1C-9E7D-4D85-BCEB-E81F3F5FF56A}"/>
+                <a16:creationId xmlns:a16="http://schemas.microsoft.com/office/drawing/2014/main" xmlns="" id="{AA12FD1C-9E7D-4D85-BCEB-E81F3F5FF56A}"/>
               </a:ext>
             </a:extLst>
           </p:cNvPr>
@@ -301,7 +308,7 @@
           <p:cNvPr id="6" name="Chỗ dành sẵn cho Số hiệu Bản chiếu 5">
             <a:extLst>
               <a:ext uri="{FF2B5EF4-FFF2-40B4-BE49-F238E27FC236}">
-                <a16:creationId xmlns:a16="http://schemas.microsoft.com/office/drawing/2014/main" id="{34164F3D-AB21-4802-B6C5-060779D97AB6}"/>
+                <a16:creationId xmlns:a16="http://schemas.microsoft.com/office/drawing/2014/main" xmlns="" id="{34164F3D-AB21-4802-B6C5-060779D97AB6}"/>
               </a:ext>
             </a:extLst>
           </p:cNvPr>
@@ -319,6 +326,7 @@
           <a:p>
             <a:fld id="{D1CF0CA7-4FD8-41DD-A09D-A9513BE0B5D7}" type="slidenum">
               <a:rPr lang="vi-VN" smtClean="0"/>
+              <a:pPr/>
               <a:t>‹#›</a:t>
             </a:fld>
             <a:endParaRPr lang="vi-VN"/>
@@ -328,7 +336,7 @@
     </p:spTree>
     <p:extLst>
       <p:ext uri="{BB962C8B-B14F-4D97-AF65-F5344CB8AC3E}">
-        <p14:creationId xmlns:p14="http://schemas.microsoft.com/office/powerpoint/2010/main" val="3799762660"/>
+        <p14:creationId xmlns:p14="http://schemas.microsoft.com/office/powerpoint/2010/main" xmlns="" val="3799762660"/>
       </p:ext>
     </p:extLst>
   </p:cSld>
@@ -360,7 +368,7 @@
           <p:cNvPr id="2" name="Tiêu đề 1">
             <a:extLst>
               <a:ext uri="{FF2B5EF4-FFF2-40B4-BE49-F238E27FC236}">
-                <a16:creationId xmlns:a16="http://schemas.microsoft.com/office/drawing/2014/main" id="{D48C7D41-8B11-43E2-BC6F-5F46DFADADBB}"/>
+                <a16:creationId xmlns:a16="http://schemas.microsoft.com/office/drawing/2014/main" xmlns="" id="{D48C7D41-8B11-43E2-BC6F-5F46DFADADBB}"/>
               </a:ext>
             </a:extLst>
           </p:cNvPr>
@@ -388,7 +396,7 @@
           <p:cNvPr id="3" name="Chỗ dành sẵn cho Văn bản Dọc 2">
             <a:extLst>
               <a:ext uri="{FF2B5EF4-FFF2-40B4-BE49-F238E27FC236}">
-                <a16:creationId xmlns:a16="http://schemas.microsoft.com/office/drawing/2014/main" id="{DDFB5A97-6FF2-427D-98A6-FCB945490FB2}"/>
+                <a16:creationId xmlns:a16="http://schemas.microsoft.com/office/drawing/2014/main" xmlns="" id="{DDFB5A97-6FF2-427D-98A6-FCB945490FB2}"/>
               </a:ext>
             </a:extLst>
           </p:cNvPr>
@@ -445,7 +453,7 @@
           <p:cNvPr id="4" name="Chỗ dành sẵn cho Ngày tháng 3">
             <a:extLst>
               <a:ext uri="{FF2B5EF4-FFF2-40B4-BE49-F238E27FC236}">
-                <a16:creationId xmlns:a16="http://schemas.microsoft.com/office/drawing/2014/main" id="{2F024C6D-5CF0-4613-80BE-A85E6A163CC0}"/>
+                <a16:creationId xmlns:a16="http://schemas.microsoft.com/office/drawing/2014/main" xmlns="" id="{2F024C6D-5CF0-4613-80BE-A85E6A163CC0}"/>
               </a:ext>
             </a:extLst>
           </p:cNvPr>
@@ -463,7 +471,8 @@
           <a:p>
             <a:fld id="{1821D8CE-0800-4AA8-B245-35AAA5DAD350}" type="datetimeFigureOut">
               <a:rPr lang="vi-VN" smtClean="0"/>
-              <a:t>01/01/2021</a:t>
+              <a:pPr/>
+              <a:t>14/01/2021</a:t>
             </a:fld>
             <a:endParaRPr lang="vi-VN"/>
           </a:p>
@@ -474,7 +483,7 @@
           <p:cNvPr id="5" name="Chỗ dành sẵn cho Chân trang 4">
             <a:extLst>
               <a:ext uri="{FF2B5EF4-FFF2-40B4-BE49-F238E27FC236}">
-                <a16:creationId xmlns:a16="http://schemas.microsoft.com/office/drawing/2014/main" id="{BC6EC5E3-D9B3-4CF5-97CB-FEFA9458C648}"/>
+                <a16:creationId xmlns:a16="http://schemas.microsoft.com/office/drawing/2014/main" xmlns="" id="{BC6EC5E3-D9B3-4CF5-97CB-FEFA9458C648}"/>
               </a:ext>
             </a:extLst>
           </p:cNvPr>
@@ -499,7 +508,7 @@
           <p:cNvPr id="6" name="Chỗ dành sẵn cho Số hiệu Bản chiếu 5">
             <a:extLst>
               <a:ext uri="{FF2B5EF4-FFF2-40B4-BE49-F238E27FC236}">
-                <a16:creationId xmlns:a16="http://schemas.microsoft.com/office/drawing/2014/main" id="{3E602887-1D57-4485-A900-A8437C044A65}"/>
+                <a16:creationId xmlns:a16="http://schemas.microsoft.com/office/drawing/2014/main" xmlns="" id="{3E602887-1D57-4485-A900-A8437C044A65}"/>
               </a:ext>
             </a:extLst>
           </p:cNvPr>
@@ -517,6 +526,7 @@
           <a:p>
             <a:fld id="{D1CF0CA7-4FD8-41DD-A09D-A9513BE0B5D7}" type="slidenum">
               <a:rPr lang="vi-VN" smtClean="0"/>
+              <a:pPr/>
               <a:t>‹#›</a:t>
             </a:fld>
             <a:endParaRPr lang="vi-VN"/>
@@ -526,7 +536,7 @@
     </p:spTree>
     <p:extLst>
       <p:ext uri="{BB962C8B-B14F-4D97-AF65-F5344CB8AC3E}">
-        <p14:creationId xmlns:p14="http://schemas.microsoft.com/office/powerpoint/2010/main" val="555900914"/>
+        <p14:creationId xmlns:p14="http://schemas.microsoft.com/office/powerpoint/2010/main" xmlns="" val="555900914"/>
       </p:ext>
     </p:extLst>
   </p:cSld>
@@ -558,7 +568,7 @@
           <p:cNvPr id="2" name="Tiêu đề Dọc 1">
             <a:extLst>
               <a:ext uri="{FF2B5EF4-FFF2-40B4-BE49-F238E27FC236}">
-                <a16:creationId xmlns:a16="http://schemas.microsoft.com/office/drawing/2014/main" id="{8D84C0F2-AD26-4BC8-B332-B031095F6D11}"/>
+                <a16:creationId xmlns:a16="http://schemas.microsoft.com/office/drawing/2014/main" xmlns="" id="{8D84C0F2-AD26-4BC8-B332-B031095F6D11}"/>
               </a:ext>
             </a:extLst>
           </p:cNvPr>
@@ -591,7 +601,7 @@
           <p:cNvPr id="3" name="Chỗ dành sẵn cho Văn bản Dọc 2">
             <a:extLst>
               <a:ext uri="{FF2B5EF4-FFF2-40B4-BE49-F238E27FC236}">
-                <a16:creationId xmlns:a16="http://schemas.microsoft.com/office/drawing/2014/main" id="{C6D5910B-312A-4629-8A8A-26FB7F291749}"/>
+                <a16:creationId xmlns:a16="http://schemas.microsoft.com/office/drawing/2014/main" xmlns="" id="{C6D5910B-312A-4629-8A8A-26FB7F291749}"/>
               </a:ext>
             </a:extLst>
           </p:cNvPr>
@@ -653,7 +663,7 @@
           <p:cNvPr id="4" name="Chỗ dành sẵn cho Ngày tháng 3">
             <a:extLst>
               <a:ext uri="{FF2B5EF4-FFF2-40B4-BE49-F238E27FC236}">
-                <a16:creationId xmlns:a16="http://schemas.microsoft.com/office/drawing/2014/main" id="{560D269C-7EDB-4C37-94FA-163E231513FD}"/>
+                <a16:creationId xmlns:a16="http://schemas.microsoft.com/office/drawing/2014/main" xmlns="" id="{560D269C-7EDB-4C37-94FA-163E231513FD}"/>
               </a:ext>
             </a:extLst>
           </p:cNvPr>
@@ -671,7 +681,8 @@
           <a:p>
             <a:fld id="{1821D8CE-0800-4AA8-B245-35AAA5DAD350}" type="datetimeFigureOut">
               <a:rPr lang="vi-VN" smtClean="0"/>
-              <a:t>01/01/2021</a:t>
+              <a:pPr/>
+              <a:t>14/01/2021</a:t>
             </a:fld>
             <a:endParaRPr lang="vi-VN"/>
           </a:p>
@@ -682,7 +693,7 @@
           <p:cNvPr id="5" name="Chỗ dành sẵn cho Chân trang 4">
             <a:extLst>
               <a:ext uri="{FF2B5EF4-FFF2-40B4-BE49-F238E27FC236}">
-                <a16:creationId xmlns:a16="http://schemas.microsoft.com/office/drawing/2014/main" id="{55C57D2C-74CA-4D83-A5A7-0568AC2614F3}"/>
+                <a16:creationId xmlns:a16="http://schemas.microsoft.com/office/drawing/2014/main" xmlns="" id="{55C57D2C-74CA-4D83-A5A7-0568AC2614F3}"/>
               </a:ext>
             </a:extLst>
           </p:cNvPr>
@@ -707,7 +718,7 @@
           <p:cNvPr id="6" name="Chỗ dành sẵn cho Số hiệu Bản chiếu 5">
             <a:extLst>
               <a:ext uri="{FF2B5EF4-FFF2-40B4-BE49-F238E27FC236}">
-                <a16:creationId xmlns:a16="http://schemas.microsoft.com/office/drawing/2014/main" id="{23A778C4-598B-48A6-9DC6-F86E390F36AD}"/>
+                <a16:creationId xmlns:a16="http://schemas.microsoft.com/office/drawing/2014/main" xmlns="" id="{23A778C4-598B-48A6-9DC6-F86E390F36AD}"/>
               </a:ext>
             </a:extLst>
           </p:cNvPr>
@@ -725,6 +736,7 @@
           <a:p>
             <a:fld id="{D1CF0CA7-4FD8-41DD-A09D-A9513BE0B5D7}" type="slidenum">
               <a:rPr lang="vi-VN" smtClean="0"/>
+              <a:pPr/>
               <a:t>‹#›</a:t>
             </a:fld>
             <a:endParaRPr lang="vi-VN"/>
@@ -734,7 +746,7 @@
     </p:spTree>
     <p:extLst>
       <p:ext uri="{BB962C8B-B14F-4D97-AF65-F5344CB8AC3E}">
-        <p14:creationId xmlns:p14="http://schemas.microsoft.com/office/powerpoint/2010/main" val="2553469435"/>
+        <p14:creationId xmlns:p14="http://schemas.microsoft.com/office/powerpoint/2010/main" xmlns="" val="2553469435"/>
       </p:ext>
     </p:extLst>
   </p:cSld>
@@ -766,7 +778,7 @@
           <p:cNvPr id="2" name="Tiêu đề 1">
             <a:extLst>
               <a:ext uri="{FF2B5EF4-FFF2-40B4-BE49-F238E27FC236}">
-                <a16:creationId xmlns:a16="http://schemas.microsoft.com/office/drawing/2014/main" id="{628373ED-61EF-40EC-B9E9-7EEFE97B0CF9}"/>
+                <a16:creationId xmlns:a16="http://schemas.microsoft.com/office/drawing/2014/main" xmlns="" id="{628373ED-61EF-40EC-B9E9-7EEFE97B0CF9}"/>
               </a:ext>
             </a:extLst>
           </p:cNvPr>
@@ -794,7 +806,7 @@
           <p:cNvPr id="3" name="Chỗ dành sẵn cho Nội dung 2">
             <a:extLst>
               <a:ext uri="{FF2B5EF4-FFF2-40B4-BE49-F238E27FC236}">
-                <a16:creationId xmlns:a16="http://schemas.microsoft.com/office/drawing/2014/main" id="{2484386B-0590-43FC-AF6F-671439F0DE08}"/>
+                <a16:creationId xmlns:a16="http://schemas.microsoft.com/office/drawing/2014/main" xmlns="" id="{2484386B-0590-43FC-AF6F-671439F0DE08}"/>
               </a:ext>
             </a:extLst>
           </p:cNvPr>
@@ -851,7 +863,7 @@
           <p:cNvPr id="4" name="Chỗ dành sẵn cho Ngày tháng 3">
             <a:extLst>
               <a:ext uri="{FF2B5EF4-FFF2-40B4-BE49-F238E27FC236}">
-                <a16:creationId xmlns:a16="http://schemas.microsoft.com/office/drawing/2014/main" id="{EBA15222-A8DA-4AFB-8EF0-3C36F64763EF}"/>
+                <a16:creationId xmlns:a16="http://schemas.microsoft.com/office/drawing/2014/main" xmlns="" id="{EBA15222-A8DA-4AFB-8EF0-3C36F64763EF}"/>
               </a:ext>
             </a:extLst>
           </p:cNvPr>
@@ -869,7 +881,8 @@
           <a:p>
             <a:fld id="{1821D8CE-0800-4AA8-B245-35AAA5DAD350}" type="datetimeFigureOut">
               <a:rPr lang="vi-VN" smtClean="0"/>
-              <a:t>01/01/2021</a:t>
+              <a:pPr/>
+              <a:t>14/01/2021</a:t>
             </a:fld>
             <a:endParaRPr lang="vi-VN"/>
           </a:p>
@@ -880,7 +893,7 @@
           <p:cNvPr id="5" name="Chỗ dành sẵn cho Chân trang 4">
             <a:extLst>
               <a:ext uri="{FF2B5EF4-FFF2-40B4-BE49-F238E27FC236}">
-                <a16:creationId xmlns:a16="http://schemas.microsoft.com/office/drawing/2014/main" id="{D22238F9-6913-4C78-9AC3-2B31E4C1695C}"/>
+                <a16:creationId xmlns:a16="http://schemas.microsoft.com/office/drawing/2014/main" xmlns="" id="{D22238F9-6913-4C78-9AC3-2B31E4C1695C}"/>
               </a:ext>
             </a:extLst>
           </p:cNvPr>
@@ -905,7 +918,7 @@
           <p:cNvPr id="6" name="Chỗ dành sẵn cho Số hiệu Bản chiếu 5">
             <a:extLst>
               <a:ext uri="{FF2B5EF4-FFF2-40B4-BE49-F238E27FC236}">
-                <a16:creationId xmlns:a16="http://schemas.microsoft.com/office/drawing/2014/main" id="{E8AD7776-3C8D-4A00-B8D9-BEB6D35457A2}"/>
+                <a16:creationId xmlns:a16="http://schemas.microsoft.com/office/drawing/2014/main" xmlns="" id="{E8AD7776-3C8D-4A00-B8D9-BEB6D35457A2}"/>
               </a:ext>
             </a:extLst>
           </p:cNvPr>
@@ -923,6 +936,7 @@
           <a:p>
             <a:fld id="{D1CF0CA7-4FD8-41DD-A09D-A9513BE0B5D7}" type="slidenum">
               <a:rPr lang="vi-VN" smtClean="0"/>
+              <a:pPr/>
               <a:t>‹#›</a:t>
             </a:fld>
             <a:endParaRPr lang="vi-VN"/>
@@ -932,7 +946,7 @@
     </p:spTree>
     <p:extLst>
       <p:ext uri="{BB962C8B-B14F-4D97-AF65-F5344CB8AC3E}">
-        <p14:creationId xmlns:p14="http://schemas.microsoft.com/office/powerpoint/2010/main" val="673464273"/>
+        <p14:creationId xmlns:p14="http://schemas.microsoft.com/office/powerpoint/2010/main" xmlns="" val="673464273"/>
       </p:ext>
     </p:extLst>
   </p:cSld>
@@ -964,7 +978,7 @@
           <p:cNvPr id="2" name="Tiêu đề 1">
             <a:extLst>
               <a:ext uri="{FF2B5EF4-FFF2-40B4-BE49-F238E27FC236}">
-                <a16:creationId xmlns:a16="http://schemas.microsoft.com/office/drawing/2014/main" id="{395FD670-19F7-49A6-AC4C-A63507A19C82}"/>
+                <a16:creationId xmlns:a16="http://schemas.microsoft.com/office/drawing/2014/main" xmlns="" id="{395FD670-19F7-49A6-AC4C-A63507A19C82}"/>
               </a:ext>
             </a:extLst>
           </p:cNvPr>
@@ -1001,7 +1015,7 @@
           <p:cNvPr id="3" name="Chỗ dành sẵn cho Văn bản 2">
             <a:extLst>
               <a:ext uri="{FF2B5EF4-FFF2-40B4-BE49-F238E27FC236}">
-                <a16:creationId xmlns:a16="http://schemas.microsoft.com/office/drawing/2014/main" id="{885D0124-5546-481D-B2DA-2E346CFB8A09}"/>
+                <a16:creationId xmlns:a16="http://schemas.microsoft.com/office/drawing/2014/main" xmlns="" id="{885D0124-5546-481D-B2DA-2E346CFB8A09}"/>
               </a:ext>
             </a:extLst>
           </p:cNvPr>
@@ -1126,7 +1140,7 @@
           <p:cNvPr id="4" name="Chỗ dành sẵn cho Ngày tháng 3">
             <a:extLst>
               <a:ext uri="{FF2B5EF4-FFF2-40B4-BE49-F238E27FC236}">
-                <a16:creationId xmlns:a16="http://schemas.microsoft.com/office/drawing/2014/main" id="{CD4E8CE9-7471-484E-8D78-97F767FB67B9}"/>
+                <a16:creationId xmlns:a16="http://schemas.microsoft.com/office/drawing/2014/main" xmlns="" id="{CD4E8CE9-7471-484E-8D78-97F767FB67B9}"/>
               </a:ext>
             </a:extLst>
           </p:cNvPr>
@@ -1144,7 +1158,8 @@
           <a:p>
             <a:fld id="{1821D8CE-0800-4AA8-B245-35AAA5DAD350}" type="datetimeFigureOut">
               <a:rPr lang="vi-VN" smtClean="0"/>
-              <a:t>01/01/2021</a:t>
+              <a:pPr/>
+              <a:t>14/01/2021</a:t>
             </a:fld>
             <a:endParaRPr lang="vi-VN"/>
           </a:p>
@@ -1155,7 +1170,7 @@
           <p:cNvPr id="5" name="Chỗ dành sẵn cho Chân trang 4">
             <a:extLst>
               <a:ext uri="{FF2B5EF4-FFF2-40B4-BE49-F238E27FC236}">
-                <a16:creationId xmlns:a16="http://schemas.microsoft.com/office/drawing/2014/main" id="{9432888C-A7D3-4FA3-A25A-ADE0A5D1C1AD}"/>
+                <a16:creationId xmlns:a16="http://schemas.microsoft.com/office/drawing/2014/main" xmlns="" id="{9432888C-A7D3-4FA3-A25A-ADE0A5D1C1AD}"/>
               </a:ext>
             </a:extLst>
           </p:cNvPr>
@@ -1180,7 +1195,7 @@
           <p:cNvPr id="6" name="Chỗ dành sẵn cho Số hiệu Bản chiếu 5">
             <a:extLst>
               <a:ext uri="{FF2B5EF4-FFF2-40B4-BE49-F238E27FC236}">
-                <a16:creationId xmlns:a16="http://schemas.microsoft.com/office/drawing/2014/main" id="{1E6E4CE7-CB40-4F9C-837F-612C17F064AC}"/>
+                <a16:creationId xmlns:a16="http://schemas.microsoft.com/office/drawing/2014/main" xmlns="" id="{1E6E4CE7-CB40-4F9C-837F-612C17F064AC}"/>
               </a:ext>
             </a:extLst>
           </p:cNvPr>
@@ -1198,6 +1213,7 @@
           <a:p>
             <a:fld id="{D1CF0CA7-4FD8-41DD-A09D-A9513BE0B5D7}" type="slidenum">
               <a:rPr lang="vi-VN" smtClean="0"/>
+              <a:pPr/>
               <a:t>‹#›</a:t>
             </a:fld>
             <a:endParaRPr lang="vi-VN"/>
@@ -1207,7 +1223,7 @@
     </p:spTree>
     <p:extLst>
       <p:ext uri="{BB962C8B-B14F-4D97-AF65-F5344CB8AC3E}">
-        <p14:creationId xmlns:p14="http://schemas.microsoft.com/office/powerpoint/2010/main" val="1344783071"/>
+        <p14:creationId xmlns:p14="http://schemas.microsoft.com/office/powerpoint/2010/main" xmlns="" val="1344783071"/>
       </p:ext>
     </p:extLst>
   </p:cSld>
@@ -1239,7 +1255,7 @@
           <p:cNvPr id="2" name="Tiêu đề 1">
             <a:extLst>
               <a:ext uri="{FF2B5EF4-FFF2-40B4-BE49-F238E27FC236}">
-                <a16:creationId xmlns:a16="http://schemas.microsoft.com/office/drawing/2014/main" id="{C78DB1C3-B4E1-46CC-9368-EE1511576BD5}"/>
+                <a16:creationId xmlns:a16="http://schemas.microsoft.com/office/drawing/2014/main" xmlns="" id="{C78DB1C3-B4E1-46CC-9368-EE1511576BD5}"/>
               </a:ext>
             </a:extLst>
           </p:cNvPr>
@@ -1267,7 +1283,7 @@
           <p:cNvPr id="3" name="Chỗ dành sẵn cho Nội dung 2">
             <a:extLst>
               <a:ext uri="{FF2B5EF4-FFF2-40B4-BE49-F238E27FC236}">
-                <a16:creationId xmlns:a16="http://schemas.microsoft.com/office/drawing/2014/main" id="{C1CEBAC7-218A-40D0-BA7B-1EE355A46C90}"/>
+                <a16:creationId xmlns:a16="http://schemas.microsoft.com/office/drawing/2014/main" xmlns="" id="{C1CEBAC7-218A-40D0-BA7B-1EE355A46C90}"/>
               </a:ext>
             </a:extLst>
           </p:cNvPr>
@@ -1329,7 +1345,7 @@
           <p:cNvPr id="4" name="Chỗ dành sẵn cho Nội dung 3">
             <a:extLst>
               <a:ext uri="{FF2B5EF4-FFF2-40B4-BE49-F238E27FC236}">
-                <a16:creationId xmlns:a16="http://schemas.microsoft.com/office/drawing/2014/main" id="{7E26EFCA-5067-4B95-A525-C700F2C5DA11}"/>
+                <a16:creationId xmlns:a16="http://schemas.microsoft.com/office/drawing/2014/main" xmlns="" id="{7E26EFCA-5067-4B95-A525-C700F2C5DA11}"/>
               </a:ext>
             </a:extLst>
           </p:cNvPr>
@@ -1391,7 +1407,7 @@
           <p:cNvPr id="5" name="Chỗ dành sẵn cho Ngày tháng 4">
             <a:extLst>
               <a:ext uri="{FF2B5EF4-FFF2-40B4-BE49-F238E27FC236}">
-                <a16:creationId xmlns:a16="http://schemas.microsoft.com/office/drawing/2014/main" id="{D0E3C733-BF16-46B2-91B5-294C0072FAE4}"/>
+                <a16:creationId xmlns:a16="http://schemas.microsoft.com/office/drawing/2014/main" xmlns="" id="{D0E3C733-BF16-46B2-91B5-294C0072FAE4}"/>
               </a:ext>
             </a:extLst>
           </p:cNvPr>
@@ -1409,7 +1425,8 @@
           <a:p>
             <a:fld id="{1821D8CE-0800-4AA8-B245-35AAA5DAD350}" type="datetimeFigureOut">
               <a:rPr lang="vi-VN" smtClean="0"/>
-              <a:t>01/01/2021</a:t>
+              <a:pPr/>
+              <a:t>14/01/2021</a:t>
             </a:fld>
             <a:endParaRPr lang="vi-VN"/>
           </a:p>
@@ -1420,7 +1437,7 @@
           <p:cNvPr id="6" name="Chỗ dành sẵn cho Chân trang 5">
             <a:extLst>
               <a:ext uri="{FF2B5EF4-FFF2-40B4-BE49-F238E27FC236}">
-                <a16:creationId xmlns:a16="http://schemas.microsoft.com/office/drawing/2014/main" id="{1B5EA294-77B3-4C6D-8B94-B8DD2D05334F}"/>
+                <a16:creationId xmlns:a16="http://schemas.microsoft.com/office/drawing/2014/main" xmlns="" id="{1B5EA294-77B3-4C6D-8B94-B8DD2D05334F}"/>
               </a:ext>
             </a:extLst>
           </p:cNvPr>
@@ -1445,7 +1462,7 @@
           <p:cNvPr id="7" name="Chỗ dành sẵn cho Số hiệu Bản chiếu 6">
             <a:extLst>
               <a:ext uri="{FF2B5EF4-FFF2-40B4-BE49-F238E27FC236}">
-                <a16:creationId xmlns:a16="http://schemas.microsoft.com/office/drawing/2014/main" id="{66326CF9-B727-423C-83B1-79DD90C0A913}"/>
+                <a16:creationId xmlns:a16="http://schemas.microsoft.com/office/drawing/2014/main" xmlns="" id="{66326CF9-B727-423C-83B1-79DD90C0A913}"/>
               </a:ext>
             </a:extLst>
           </p:cNvPr>
@@ -1463,6 +1480,7 @@
           <a:p>
             <a:fld id="{D1CF0CA7-4FD8-41DD-A09D-A9513BE0B5D7}" type="slidenum">
               <a:rPr lang="vi-VN" smtClean="0"/>
+              <a:pPr/>
               <a:t>‹#›</a:t>
             </a:fld>
             <a:endParaRPr lang="vi-VN"/>
@@ -1472,7 +1490,7 @@
     </p:spTree>
     <p:extLst>
       <p:ext uri="{BB962C8B-B14F-4D97-AF65-F5344CB8AC3E}">
-        <p14:creationId xmlns:p14="http://schemas.microsoft.com/office/powerpoint/2010/main" val="2440136121"/>
+        <p14:creationId xmlns:p14="http://schemas.microsoft.com/office/powerpoint/2010/main" xmlns="" val="2440136121"/>
       </p:ext>
     </p:extLst>
   </p:cSld>
@@ -1504,7 +1522,7 @@
           <p:cNvPr id="2" name="Tiêu đề 1">
             <a:extLst>
               <a:ext uri="{FF2B5EF4-FFF2-40B4-BE49-F238E27FC236}">
-                <a16:creationId xmlns:a16="http://schemas.microsoft.com/office/drawing/2014/main" id="{AB37FC49-FE9F-49DC-BB5F-092044A65088}"/>
+                <a16:creationId xmlns:a16="http://schemas.microsoft.com/office/drawing/2014/main" xmlns="" id="{AB37FC49-FE9F-49DC-BB5F-092044A65088}"/>
               </a:ext>
             </a:extLst>
           </p:cNvPr>
@@ -1537,7 +1555,7 @@
           <p:cNvPr id="3" name="Chỗ dành sẵn cho Văn bản 2">
             <a:extLst>
               <a:ext uri="{FF2B5EF4-FFF2-40B4-BE49-F238E27FC236}">
-                <a16:creationId xmlns:a16="http://schemas.microsoft.com/office/drawing/2014/main" id="{26EAF4C2-96D6-4C52-88D2-302524BFC697}"/>
+                <a16:creationId xmlns:a16="http://schemas.microsoft.com/office/drawing/2014/main" xmlns="" id="{26EAF4C2-96D6-4C52-88D2-302524BFC697}"/>
               </a:ext>
             </a:extLst>
           </p:cNvPr>
@@ -1608,7 +1626,7 @@
           <p:cNvPr id="4" name="Chỗ dành sẵn cho Nội dung 3">
             <a:extLst>
               <a:ext uri="{FF2B5EF4-FFF2-40B4-BE49-F238E27FC236}">
-                <a16:creationId xmlns:a16="http://schemas.microsoft.com/office/drawing/2014/main" id="{4B00272E-66DC-4B27-A9AC-A72608365159}"/>
+                <a16:creationId xmlns:a16="http://schemas.microsoft.com/office/drawing/2014/main" xmlns="" id="{4B00272E-66DC-4B27-A9AC-A72608365159}"/>
               </a:ext>
             </a:extLst>
           </p:cNvPr>
@@ -1670,7 +1688,7 @@
           <p:cNvPr id="5" name="Chỗ dành sẵn cho Văn bản 4">
             <a:extLst>
               <a:ext uri="{FF2B5EF4-FFF2-40B4-BE49-F238E27FC236}">
-                <a16:creationId xmlns:a16="http://schemas.microsoft.com/office/drawing/2014/main" id="{7B98CD6F-C343-42BE-AB0C-2C086DF5D35D}"/>
+                <a16:creationId xmlns:a16="http://schemas.microsoft.com/office/drawing/2014/main" xmlns="" id="{7B98CD6F-C343-42BE-AB0C-2C086DF5D35D}"/>
               </a:ext>
             </a:extLst>
           </p:cNvPr>
@@ -1741,7 +1759,7 @@
           <p:cNvPr id="6" name="Chỗ dành sẵn cho Nội dung 5">
             <a:extLst>
               <a:ext uri="{FF2B5EF4-FFF2-40B4-BE49-F238E27FC236}">
-                <a16:creationId xmlns:a16="http://schemas.microsoft.com/office/drawing/2014/main" id="{4DB9B96E-1D39-41D2-B83C-D23BD29AC164}"/>
+                <a16:creationId xmlns:a16="http://schemas.microsoft.com/office/drawing/2014/main" xmlns="" id="{4DB9B96E-1D39-41D2-B83C-D23BD29AC164}"/>
               </a:ext>
             </a:extLst>
           </p:cNvPr>
@@ -1803,7 +1821,7 @@
           <p:cNvPr id="7" name="Chỗ dành sẵn cho Ngày tháng 6">
             <a:extLst>
               <a:ext uri="{FF2B5EF4-FFF2-40B4-BE49-F238E27FC236}">
-                <a16:creationId xmlns:a16="http://schemas.microsoft.com/office/drawing/2014/main" id="{CF73DE55-18B9-4160-8910-7E58C9A5EA5D}"/>
+                <a16:creationId xmlns:a16="http://schemas.microsoft.com/office/drawing/2014/main" xmlns="" id="{CF73DE55-18B9-4160-8910-7E58C9A5EA5D}"/>
               </a:ext>
             </a:extLst>
           </p:cNvPr>
@@ -1821,7 +1839,8 @@
           <a:p>
             <a:fld id="{1821D8CE-0800-4AA8-B245-35AAA5DAD350}" type="datetimeFigureOut">
               <a:rPr lang="vi-VN" smtClean="0"/>
-              <a:t>01/01/2021</a:t>
+              <a:pPr/>
+              <a:t>14/01/2021</a:t>
             </a:fld>
             <a:endParaRPr lang="vi-VN"/>
           </a:p>
@@ -1832,7 +1851,7 @@
           <p:cNvPr id="8" name="Chỗ dành sẵn cho Chân trang 7">
             <a:extLst>
               <a:ext uri="{FF2B5EF4-FFF2-40B4-BE49-F238E27FC236}">
-                <a16:creationId xmlns:a16="http://schemas.microsoft.com/office/drawing/2014/main" id="{D5252CFB-BB62-40D9-B3F7-1D6532408B23}"/>
+                <a16:creationId xmlns:a16="http://schemas.microsoft.com/office/drawing/2014/main" xmlns="" id="{D5252CFB-BB62-40D9-B3F7-1D6532408B23}"/>
               </a:ext>
             </a:extLst>
           </p:cNvPr>
@@ -1857,7 +1876,7 @@
           <p:cNvPr id="9" name="Chỗ dành sẵn cho Số hiệu Bản chiếu 8">
             <a:extLst>
               <a:ext uri="{FF2B5EF4-FFF2-40B4-BE49-F238E27FC236}">
-                <a16:creationId xmlns:a16="http://schemas.microsoft.com/office/drawing/2014/main" id="{4A88DEF8-7053-4E88-A6EF-C00AABB596D8}"/>
+                <a16:creationId xmlns:a16="http://schemas.microsoft.com/office/drawing/2014/main" xmlns="" id="{4A88DEF8-7053-4E88-A6EF-C00AABB596D8}"/>
               </a:ext>
             </a:extLst>
           </p:cNvPr>
@@ -1875,6 +1894,7 @@
           <a:p>
             <a:fld id="{D1CF0CA7-4FD8-41DD-A09D-A9513BE0B5D7}" type="slidenum">
               <a:rPr lang="vi-VN" smtClean="0"/>
+              <a:pPr/>
               <a:t>‹#›</a:t>
             </a:fld>
             <a:endParaRPr lang="vi-VN"/>
@@ -1884,7 +1904,7 @@
     </p:spTree>
     <p:extLst>
       <p:ext uri="{BB962C8B-B14F-4D97-AF65-F5344CB8AC3E}">
-        <p14:creationId xmlns:p14="http://schemas.microsoft.com/office/powerpoint/2010/main" val="1070513279"/>
+        <p14:creationId xmlns:p14="http://schemas.microsoft.com/office/powerpoint/2010/main" xmlns="" val="1070513279"/>
       </p:ext>
     </p:extLst>
   </p:cSld>
@@ -1916,7 +1936,7 @@
           <p:cNvPr id="2" name="Tiêu đề 1">
             <a:extLst>
               <a:ext uri="{FF2B5EF4-FFF2-40B4-BE49-F238E27FC236}">
-                <a16:creationId xmlns:a16="http://schemas.microsoft.com/office/drawing/2014/main" id="{5C64C608-FEBC-4815-AC2F-CBBAF55AC955}"/>
+                <a16:creationId xmlns:a16="http://schemas.microsoft.com/office/drawing/2014/main" xmlns="" id="{5C64C608-FEBC-4815-AC2F-CBBAF55AC955}"/>
               </a:ext>
             </a:extLst>
           </p:cNvPr>
@@ -1944,7 +1964,7 @@
           <p:cNvPr id="3" name="Chỗ dành sẵn cho Ngày tháng 2">
             <a:extLst>
               <a:ext uri="{FF2B5EF4-FFF2-40B4-BE49-F238E27FC236}">
-                <a16:creationId xmlns:a16="http://schemas.microsoft.com/office/drawing/2014/main" id="{9FC04C24-0D0F-4B27-ACAD-EF196E361B0E}"/>
+                <a16:creationId xmlns:a16="http://schemas.microsoft.com/office/drawing/2014/main" xmlns="" id="{9FC04C24-0D0F-4B27-ACAD-EF196E361B0E}"/>
               </a:ext>
             </a:extLst>
           </p:cNvPr>
@@ -1962,7 +1982,8 @@
           <a:p>
             <a:fld id="{1821D8CE-0800-4AA8-B245-35AAA5DAD350}" type="datetimeFigureOut">
               <a:rPr lang="vi-VN" smtClean="0"/>
-              <a:t>01/01/2021</a:t>
+              <a:pPr/>
+              <a:t>14/01/2021</a:t>
             </a:fld>
             <a:endParaRPr lang="vi-VN"/>
           </a:p>
@@ -1973,7 +1994,7 @@
           <p:cNvPr id="4" name="Chỗ dành sẵn cho Chân trang 3">
             <a:extLst>
               <a:ext uri="{FF2B5EF4-FFF2-40B4-BE49-F238E27FC236}">
-                <a16:creationId xmlns:a16="http://schemas.microsoft.com/office/drawing/2014/main" id="{601720E8-E32E-4805-88C0-7CB95DADD70E}"/>
+                <a16:creationId xmlns:a16="http://schemas.microsoft.com/office/drawing/2014/main" xmlns="" id="{601720E8-E32E-4805-88C0-7CB95DADD70E}"/>
               </a:ext>
             </a:extLst>
           </p:cNvPr>
@@ -1998,7 +2019,7 @@
           <p:cNvPr id="5" name="Chỗ dành sẵn cho Số hiệu Bản chiếu 4">
             <a:extLst>
               <a:ext uri="{FF2B5EF4-FFF2-40B4-BE49-F238E27FC236}">
-                <a16:creationId xmlns:a16="http://schemas.microsoft.com/office/drawing/2014/main" id="{3DCADA00-FA28-4B71-A7D7-6F34472109DD}"/>
+                <a16:creationId xmlns:a16="http://schemas.microsoft.com/office/drawing/2014/main" xmlns="" id="{3DCADA00-FA28-4B71-A7D7-6F34472109DD}"/>
               </a:ext>
             </a:extLst>
           </p:cNvPr>
@@ -2016,6 +2037,7 @@
           <a:p>
             <a:fld id="{D1CF0CA7-4FD8-41DD-A09D-A9513BE0B5D7}" type="slidenum">
               <a:rPr lang="vi-VN" smtClean="0"/>
+              <a:pPr/>
               <a:t>‹#›</a:t>
             </a:fld>
             <a:endParaRPr lang="vi-VN"/>
@@ -2025,7 +2047,7 @@
     </p:spTree>
     <p:extLst>
       <p:ext uri="{BB962C8B-B14F-4D97-AF65-F5344CB8AC3E}">
-        <p14:creationId xmlns:p14="http://schemas.microsoft.com/office/powerpoint/2010/main" val="1252302321"/>
+        <p14:creationId xmlns:p14="http://schemas.microsoft.com/office/powerpoint/2010/main" xmlns="" val="1252302321"/>
       </p:ext>
     </p:extLst>
   </p:cSld>
@@ -2057,7 +2079,7 @@
           <p:cNvPr id="2" name="Chỗ dành sẵn cho Ngày tháng 1">
             <a:extLst>
               <a:ext uri="{FF2B5EF4-FFF2-40B4-BE49-F238E27FC236}">
-                <a16:creationId xmlns:a16="http://schemas.microsoft.com/office/drawing/2014/main" id="{17E55EA8-D5FB-48B7-A647-1C2216E6A35D}"/>
+                <a16:creationId xmlns:a16="http://schemas.microsoft.com/office/drawing/2014/main" xmlns="" id="{17E55EA8-D5FB-48B7-A647-1C2216E6A35D}"/>
               </a:ext>
             </a:extLst>
           </p:cNvPr>
@@ -2075,7 +2097,8 @@
           <a:p>
             <a:fld id="{1821D8CE-0800-4AA8-B245-35AAA5DAD350}" type="datetimeFigureOut">
               <a:rPr lang="vi-VN" smtClean="0"/>
-              <a:t>01/01/2021</a:t>
+              <a:pPr/>
+              <a:t>14/01/2021</a:t>
             </a:fld>
             <a:endParaRPr lang="vi-VN"/>
           </a:p>
@@ -2086,7 +2109,7 @@
           <p:cNvPr id="3" name="Chỗ dành sẵn cho Chân trang 2">
             <a:extLst>
               <a:ext uri="{FF2B5EF4-FFF2-40B4-BE49-F238E27FC236}">
-                <a16:creationId xmlns:a16="http://schemas.microsoft.com/office/drawing/2014/main" id="{66008D72-80D5-42A0-A2E7-E3ED79879CA6}"/>
+                <a16:creationId xmlns:a16="http://schemas.microsoft.com/office/drawing/2014/main" xmlns="" id="{66008D72-80D5-42A0-A2E7-E3ED79879CA6}"/>
               </a:ext>
             </a:extLst>
           </p:cNvPr>
@@ -2111,7 +2134,7 @@
           <p:cNvPr id="4" name="Chỗ dành sẵn cho Số hiệu Bản chiếu 3">
             <a:extLst>
               <a:ext uri="{FF2B5EF4-FFF2-40B4-BE49-F238E27FC236}">
-                <a16:creationId xmlns:a16="http://schemas.microsoft.com/office/drawing/2014/main" id="{339D19D3-8249-40B0-8B44-681758F236E2}"/>
+                <a16:creationId xmlns:a16="http://schemas.microsoft.com/office/drawing/2014/main" xmlns="" id="{339D19D3-8249-40B0-8B44-681758F236E2}"/>
               </a:ext>
             </a:extLst>
           </p:cNvPr>
@@ -2129,6 +2152,7 @@
           <a:p>
             <a:fld id="{D1CF0CA7-4FD8-41DD-A09D-A9513BE0B5D7}" type="slidenum">
               <a:rPr lang="vi-VN" smtClean="0"/>
+              <a:pPr/>
               <a:t>‹#›</a:t>
             </a:fld>
             <a:endParaRPr lang="vi-VN"/>
@@ -2138,7 +2162,7 @@
     </p:spTree>
     <p:extLst>
       <p:ext uri="{BB962C8B-B14F-4D97-AF65-F5344CB8AC3E}">
-        <p14:creationId xmlns:p14="http://schemas.microsoft.com/office/powerpoint/2010/main" val="295200097"/>
+        <p14:creationId xmlns:p14="http://schemas.microsoft.com/office/powerpoint/2010/main" xmlns="" val="295200097"/>
       </p:ext>
     </p:extLst>
   </p:cSld>
@@ -2170,7 +2194,7 @@
           <p:cNvPr id="2" name="Tiêu đề 1">
             <a:extLst>
               <a:ext uri="{FF2B5EF4-FFF2-40B4-BE49-F238E27FC236}">
-                <a16:creationId xmlns:a16="http://schemas.microsoft.com/office/drawing/2014/main" id="{E3ED0065-E7BE-42EC-864A-FC34E1B9396A}"/>
+                <a16:creationId xmlns:a16="http://schemas.microsoft.com/office/drawing/2014/main" xmlns="" id="{E3ED0065-E7BE-42EC-864A-FC34E1B9396A}"/>
               </a:ext>
             </a:extLst>
           </p:cNvPr>
@@ -2207,7 +2231,7 @@
           <p:cNvPr id="3" name="Chỗ dành sẵn cho Nội dung 2">
             <a:extLst>
               <a:ext uri="{FF2B5EF4-FFF2-40B4-BE49-F238E27FC236}">
-                <a16:creationId xmlns:a16="http://schemas.microsoft.com/office/drawing/2014/main" id="{7FEAD056-E9DD-488B-AFED-0CD9082B7739}"/>
+                <a16:creationId xmlns:a16="http://schemas.microsoft.com/office/drawing/2014/main" xmlns="" id="{7FEAD056-E9DD-488B-AFED-0CD9082B7739}"/>
               </a:ext>
             </a:extLst>
           </p:cNvPr>
@@ -2297,7 +2321,7 @@
           <p:cNvPr id="4" name="Chỗ dành sẵn cho Văn bản 3">
             <a:extLst>
               <a:ext uri="{FF2B5EF4-FFF2-40B4-BE49-F238E27FC236}">
-                <a16:creationId xmlns:a16="http://schemas.microsoft.com/office/drawing/2014/main" id="{8873EEAD-942A-4E2C-BC3B-5C4E9BB825CE}"/>
+                <a16:creationId xmlns:a16="http://schemas.microsoft.com/office/drawing/2014/main" xmlns="" id="{8873EEAD-942A-4E2C-BC3B-5C4E9BB825CE}"/>
               </a:ext>
             </a:extLst>
           </p:cNvPr>
@@ -2368,7 +2392,7 @@
           <p:cNvPr id="5" name="Chỗ dành sẵn cho Ngày tháng 4">
             <a:extLst>
               <a:ext uri="{FF2B5EF4-FFF2-40B4-BE49-F238E27FC236}">
-                <a16:creationId xmlns:a16="http://schemas.microsoft.com/office/drawing/2014/main" id="{0320BBAB-D780-4045-B5DE-493831230C45}"/>
+                <a16:creationId xmlns:a16="http://schemas.microsoft.com/office/drawing/2014/main" xmlns="" id="{0320BBAB-D780-4045-B5DE-493831230C45}"/>
               </a:ext>
             </a:extLst>
           </p:cNvPr>
@@ -2386,7 +2410,8 @@
           <a:p>
             <a:fld id="{1821D8CE-0800-4AA8-B245-35AAA5DAD350}" type="datetimeFigureOut">
               <a:rPr lang="vi-VN" smtClean="0"/>
-              <a:t>01/01/2021</a:t>
+              <a:pPr/>
+              <a:t>14/01/2021</a:t>
             </a:fld>
             <a:endParaRPr lang="vi-VN"/>
           </a:p>
@@ -2397,7 +2422,7 @@
           <p:cNvPr id="6" name="Chỗ dành sẵn cho Chân trang 5">
             <a:extLst>
               <a:ext uri="{FF2B5EF4-FFF2-40B4-BE49-F238E27FC236}">
-                <a16:creationId xmlns:a16="http://schemas.microsoft.com/office/drawing/2014/main" id="{34840A76-07BF-4C2B-ACE0-065412BCC5FD}"/>
+                <a16:creationId xmlns:a16="http://schemas.microsoft.com/office/drawing/2014/main" xmlns="" id="{34840A76-07BF-4C2B-ACE0-065412BCC5FD}"/>
               </a:ext>
             </a:extLst>
           </p:cNvPr>
@@ -2422,7 +2447,7 @@
           <p:cNvPr id="7" name="Chỗ dành sẵn cho Số hiệu Bản chiếu 6">
             <a:extLst>
               <a:ext uri="{FF2B5EF4-FFF2-40B4-BE49-F238E27FC236}">
-                <a16:creationId xmlns:a16="http://schemas.microsoft.com/office/drawing/2014/main" id="{D615429E-E8DE-4068-B7EF-E47E94259837}"/>
+                <a16:creationId xmlns:a16="http://schemas.microsoft.com/office/drawing/2014/main" xmlns="" id="{D615429E-E8DE-4068-B7EF-E47E94259837}"/>
               </a:ext>
             </a:extLst>
           </p:cNvPr>
@@ -2440,6 +2465,7 @@
           <a:p>
             <a:fld id="{D1CF0CA7-4FD8-41DD-A09D-A9513BE0B5D7}" type="slidenum">
               <a:rPr lang="vi-VN" smtClean="0"/>
+              <a:pPr/>
               <a:t>‹#›</a:t>
             </a:fld>
             <a:endParaRPr lang="vi-VN"/>
@@ -2449,7 +2475,7 @@
     </p:spTree>
     <p:extLst>
       <p:ext uri="{BB962C8B-B14F-4D97-AF65-F5344CB8AC3E}">
-        <p14:creationId xmlns:p14="http://schemas.microsoft.com/office/powerpoint/2010/main" val="719821788"/>
+        <p14:creationId xmlns:p14="http://schemas.microsoft.com/office/powerpoint/2010/main" xmlns="" val="719821788"/>
       </p:ext>
     </p:extLst>
   </p:cSld>
@@ -2481,7 +2507,7 @@
           <p:cNvPr id="2" name="Tiêu đề 1">
             <a:extLst>
               <a:ext uri="{FF2B5EF4-FFF2-40B4-BE49-F238E27FC236}">
-                <a16:creationId xmlns:a16="http://schemas.microsoft.com/office/drawing/2014/main" id="{C48FFD77-795E-4C56-A86B-74DF369E76D6}"/>
+                <a16:creationId xmlns:a16="http://schemas.microsoft.com/office/drawing/2014/main" xmlns="" id="{C48FFD77-795E-4C56-A86B-74DF369E76D6}"/>
               </a:ext>
             </a:extLst>
           </p:cNvPr>
@@ -2518,7 +2544,7 @@
           <p:cNvPr id="3" name="Chỗ dành sẵn cho Hình ảnh 2">
             <a:extLst>
               <a:ext uri="{FF2B5EF4-FFF2-40B4-BE49-F238E27FC236}">
-                <a16:creationId xmlns:a16="http://schemas.microsoft.com/office/drawing/2014/main" id="{9E86AF67-9C7B-476B-A9FE-28A53B997E43}"/>
+                <a16:creationId xmlns:a16="http://schemas.microsoft.com/office/drawing/2014/main" xmlns="" id="{9E86AF67-9C7B-476B-A9FE-28A53B997E43}"/>
               </a:ext>
             </a:extLst>
           </p:cNvPr>
@@ -2585,7 +2611,7 @@
           <p:cNvPr id="4" name="Chỗ dành sẵn cho Văn bản 3">
             <a:extLst>
               <a:ext uri="{FF2B5EF4-FFF2-40B4-BE49-F238E27FC236}">
-                <a16:creationId xmlns:a16="http://schemas.microsoft.com/office/drawing/2014/main" id="{CFA330FC-3C83-41AB-8FC4-708F98E6301E}"/>
+                <a16:creationId xmlns:a16="http://schemas.microsoft.com/office/drawing/2014/main" xmlns="" id="{CFA330FC-3C83-41AB-8FC4-708F98E6301E}"/>
               </a:ext>
             </a:extLst>
           </p:cNvPr>
@@ -2656,7 +2682,7 @@
           <p:cNvPr id="5" name="Chỗ dành sẵn cho Ngày tháng 4">
             <a:extLst>
               <a:ext uri="{FF2B5EF4-FFF2-40B4-BE49-F238E27FC236}">
-                <a16:creationId xmlns:a16="http://schemas.microsoft.com/office/drawing/2014/main" id="{4CFE42D9-6DF0-42C7-ACA5-11E7BCC8B1F9}"/>
+                <a16:creationId xmlns:a16="http://schemas.microsoft.com/office/drawing/2014/main" xmlns="" id="{4CFE42D9-6DF0-42C7-ACA5-11E7BCC8B1F9}"/>
               </a:ext>
             </a:extLst>
           </p:cNvPr>
@@ -2674,7 +2700,8 @@
           <a:p>
             <a:fld id="{1821D8CE-0800-4AA8-B245-35AAA5DAD350}" type="datetimeFigureOut">
               <a:rPr lang="vi-VN" smtClean="0"/>
-              <a:t>01/01/2021</a:t>
+              <a:pPr/>
+              <a:t>14/01/2021</a:t>
             </a:fld>
             <a:endParaRPr lang="vi-VN"/>
           </a:p>
@@ -2685,7 +2712,7 @@
           <p:cNvPr id="6" name="Chỗ dành sẵn cho Chân trang 5">
             <a:extLst>
               <a:ext uri="{FF2B5EF4-FFF2-40B4-BE49-F238E27FC236}">
-                <a16:creationId xmlns:a16="http://schemas.microsoft.com/office/drawing/2014/main" id="{DD1B4F03-2243-4160-A4AD-EBB590703F8F}"/>
+                <a16:creationId xmlns:a16="http://schemas.microsoft.com/office/drawing/2014/main" xmlns="" id="{DD1B4F03-2243-4160-A4AD-EBB590703F8F}"/>
               </a:ext>
             </a:extLst>
           </p:cNvPr>
@@ -2710,7 +2737,7 @@
           <p:cNvPr id="7" name="Chỗ dành sẵn cho Số hiệu Bản chiếu 6">
             <a:extLst>
               <a:ext uri="{FF2B5EF4-FFF2-40B4-BE49-F238E27FC236}">
-                <a16:creationId xmlns:a16="http://schemas.microsoft.com/office/drawing/2014/main" id="{5AB91618-6FF8-44D2-A3A6-11A41EA90093}"/>
+                <a16:creationId xmlns:a16="http://schemas.microsoft.com/office/drawing/2014/main" xmlns="" id="{5AB91618-6FF8-44D2-A3A6-11A41EA90093}"/>
               </a:ext>
             </a:extLst>
           </p:cNvPr>
@@ -2728,6 +2755,7 @@
           <a:p>
             <a:fld id="{D1CF0CA7-4FD8-41DD-A09D-A9513BE0B5D7}" type="slidenum">
               <a:rPr lang="vi-VN" smtClean="0"/>
+              <a:pPr/>
               <a:t>‹#›</a:t>
             </a:fld>
             <a:endParaRPr lang="vi-VN"/>
@@ -2737,7 +2765,7 @@
     </p:spTree>
     <p:extLst>
       <p:ext uri="{BB962C8B-B14F-4D97-AF65-F5344CB8AC3E}">
-        <p14:creationId xmlns:p14="http://schemas.microsoft.com/office/powerpoint/2010/main" val="3774126033"/>
+        <p14:creationId xmlns:p14="http://schemas.microsoft.com/office/powerpoint/2010/main" xmlns="" val="3774126033"/>
       </p:ext>
     </p:extLst>
   </p:cSld>
@@ -2774,7 +2802,7 @@
           <p:cNvPr id="2" name="Chỗ dành sẵn cho Tiêu đề 1">
             <a:extLst>
               <a:ext uri="{FF2B5EF4-FFF2-40B4-BE49-F238E27FC236}">
-                <a16:creationId xmlns:a16="http://schemas.microsoft.com/office/drawing/2014/main" id="{B62341AF-4B72-48AE-969A-7C4AC6AC2560}"/>
+                <a16:creationId xmlns:a16="http://schemas.microsoft.com/office/drawing/2014/main" xmlns="" id="{B62341AF-4B72-48AE-969A-7C4AC6AC2560}"/>
               </a:ext>
             </a:extLst>
           </p:cNvPr>
@@ -2812,7 +2840,7 @@
           <p:cNvPr id="3" name="Chỗ dành sẵn cho Văn bản 2">
             <a:extLst>
               <a:ext uri="{FF2B5EF4-FFF2-40B4-BE49-F238E27FC236}">
-                <a16:creationId xmlns:a16="http://schemas.microsoft.com/office/drawing/2014/main" id="{84DF94B6-E597-4572-B426-0D7531BF8C7D}"/>
+                <a16:creationId xmlns:a16="http://schemas.microsoft.com/office/drawing/2014/main" xmlns="" id="{84DF94B6-E597-4572-B426-0D7531BF8C7D}"/>
               </a:ext>
             </a:extLst>
           </p:cNvPr>
@@ -2879,7 +2907,7 @@
           <p:cNvPr id="4" name="Chỗ dành sẵn cho Ngày tháng 3">
             <a:extLst>
               <a:ext uri="{FF2B5EF4-FFF2-40B4-BE49-F238E27FC236}">
-                <a16:creationId xmlns:a16="http://schemas.microsoft.com/office/drawing/2014/main" id="{98029506-6186-4E43-B50A-3B98A90A69DA}"/>
+                <a16:creationId xmlns:a16="http://schemas.microsoft.com/office/drawing/2014/main" xmlns="" id="{98029506-6186-4E43-B50A-3B98A90A69DA}"/>
               </a:ext>
             </a:extLst>
           </p:cNvPr>
@@ -2915,7 +2943,8 @@
           <a:p>
             <a:fld id="{1821D8CE-0800-4AA8-B245-35AAA5DAD350}" type="datetimeFigureOut">
               <a:rPr lang="vi-VN" smtClean="0"/>
-              <a:t>01/01/2021</a:t>
+              <a:pPr/>
+              <a:t>14/01/2021</a:t>
             </a:fld>
             <a:endParaRPr lang="vi-VN"/>
           </a:p>
@@ -2926,7 +2955,7 @@
           <p:cNvPr id="5" name="Chỗ dành sẵn cho Chân trang 4">
             <a:extLst>
               <a:ext uri="{FF2B5EF4-FFF2-40B4-BE49-F238E27FC236}">
-                <a16:creationId xmlns:a16="http://schemas.microsoft.com/office/drawing/2014/main" id="{47F69196-EE9A-4954-9F44-6D9CDE2B5065}"/>
+                <a16:creationId xmlns:a16="http://schemas.microsoft.com/office/drawing/2014/main" xmlns="" id="{47F69196-EE9A-4954-9F44-6D9CDE2B5065}"/>
               </a:ext>
             </a:extLst>
           </p:cNvPr>
@@ -2969,7 +2998,7 @@
           <p:cNvPr id="6" name="Chỗ dành sẵn cho Số hiệu Bản chiếu 5">
             <a:extLst>
               <a:ext uri="{FF2B5EF4-FFF2-40B4-BE49-F238E27FC236}">
-                <a16:creationId xmlns:a16="http://schemas.microsoft.com/office/drawing/2014/main" id="{16AC3AC9-8EFB-4C5E-8F67-0ADCD84B56D7}"/>
+                <a16:creationId xmlns:a16="http://schemas.microsoft.com/office/drawing/2014/main" xmlns="" id="{16AC3AC9-8EFB-4C5E-8F67-0ADCD84B56D7}"/>
               </a:ext>
             </a:extLst>
           </p:cNvPr>
@@ -3005,6 +3034,7 @@
           <a:p>
             <a:fld id="{D1CF0CA7-4FD8-41DD-A09D-A9513BE0B5D7}" type="slidenum">
               <a:rPr lang="vi-VN" smtClean="0"/>
+              <a:pPr/>
               <a:t>‹#›</a:t>
             </a:fld>
             <a:endParaRPr lang="vi-VN"/>
@@ -3014,7 +3044,7 @@
     </p:spTree>
     <p:extLst>
       <p:ext uri="{BB962C8B-B14F-4D97-AF65-F5344CB8AC3E}">
-        <p14:creationId xmlns:p14="http://schemas.microsoft.com/office/powerpoint/2010/main" val="3935693438"/>
+        <p14:creationId xmlns:p14="http://schemas.microsoft.com/office/powerpoint/2010/main" xmlns="" val="3935693438"/>
       </p:ext>
     </p:extLst>
   </p:cSld>
@@ -3337,7 +3367,7 @@
           <p:cNvPr id="2" name="Tiêu đề 1">
             <a:extLst>
               <a:ext uri="{FF2B5EF4-FFF2-40B4-BE49-F238E27FC236}">
-                <a16:creationId xmlns:a16="http://schemas.microsoft.com/office/drawing/2014/main" id="{38FBD86D-44EA-4811-8A41-9E889DD35729}"/>
+                <a16:creationId xmlns:a16="http://schemas.microsoft.com/office/drawing/2014/main" xmlns="" id="{38FBD86D-44EA-4811-8A41-9E889DD35729}"/>
               </a:ext>
             </a:extLst>
           </p:cNvPr>
@@ -3560,7 +3590,7 @@
           <p:cNvPr id="3" name="Tiêu đề phụ 2">
             <a:extLst>
               <a:ext uri="{FF2B5EF4-FFF2-40B4-BE49-F238E27FC236}">
-                <a16:creationId xmlns:a16="http://schemas.microsoft.com/office/drawing/2014/main" id="{E2E95EB7-7E22-42E5-B168-68A6322F2532}"/>
+                <a16:creationId xmlns:a16="http://schemas.microsoft.com/office/drawing/2014/main" xmlns="" id="{E2E95EB7-7E22-42E5-B168-68A6322F2532}"/>
               </a:ext>
             </a:extLst>
           </p:cNvPr>
@@ -3713,9 +3743,1428 @@
     </p:spTree>
     <p:extLst>
       <p:ext uri="{BB962C8B-B14F-4D97-AF65-F5344CB8AC3E}">
-        <p14:creationId xmlns:p14="http://schemas.microsoft.com/office/powerpoint/2010/main" val="3465542789"/>
+        <p14:creationId xmlns:p14="http://schemas.microsoft.com/office/powerpoint/2010/main" xmlns="" val="3465542789"/>
       </p:ext>
     </p:extLst>
+  </p:cSld>
+  <p:clrMapOvr>
+    <a:masterClrMapping/>
+  </p:clrMapOvr>
+</p:sld>
+</file>
+
+<file path=ppt/slides/slide10.xml><?xml version="1.0" encoding="utf-8"?>
+<p:sld xmlns:a="http://schemas.openxmlformats.org/drawingml/2006/main" xmlns:r="http://schemas.openxmlformats.org/officeDocument/2006/relationships" xmlns:p="http://schemas.openxmlformats.org/presentationml/2006/main">
+  <p:cSld>
+    <p:spTree>
+      <p:nvGrpSpPr>
+        <p:cNvPr id="1" name=""/>
+        <p:cNvGrpSpPr/>
+        <p:nvPr/>
+      </p:nvGrpSpPr>
+      <p:grpSpPr>
+        <a:xfrm>
+          <a:off x="0" y="0"/>
+          <a:ext cx="0" cy="0"/>
+          <a:chOff x="0" y="0"/>
+          <a:chExt cx="0" cy="0"/>
+        </a:xfrm>
+      </p:grpSpPr>
+      <p:sp>
+        <p:nvSpPr>
+          <p:cNvPr id="2" name="TextBox 1"/>
+          <p:cNvSpPr txBox="1"/>
+          <p:nvPr/>
+        </p:nvSpPr>
+        <p:spPr>
+          <a:xfrm>
+            <a:off x="731520" y="378822"/>
+            <a:ext cx="6204857" cy="954107"/>
+          </a:xfrm>
+          <a:prstGeom prst="rect">
+            <a:avLst/>
+          </a:prstGeom>
+          <a:noFill/>
+        </p:spPr>
+        <p:txBody>
+          <a:bodyPr wrap="square" rtlCol="0">
+            <a:spAutoFit/>
+          </a:bodyPr>
+          <a:lstStyle/>
+          <a:p>
+            <a:r>
+              <a:rPr lang="en-US" sz="2800" b="1" dirty="0" err="1" smtClean="0"/>
+              <a:t>Đưa</a:t>
+            </a:r>
+            <a:r>
+              <a:rPr lang="en-US" sz="2800" b="1" dirty="0" smtClean="0"/>
+              <a:t> </a:t>
+            </a:r>
+            <a:r>
+              <a:rPr lang="en-US" sz="2800" b="1" dirty="0" err="1" smtClean="0"/>
+              <a:t>ra</a:t>
+            </a:r>
+            <a:r>
+              <a:rPr lang="en-US" sz="2800" b="1" dirty="0" smtClean="0"/>
+              <a:t> </a:t>
+            </a:r>
+            <a:r>
+              <a:rPr lang="en-US" sz="2800" b="1" dirty="0" err="1" smtClean="0"/>
+              <a:t>các</a:t>
+            </a:r>
+            <a:r>
+              <a:rPr lang="en-US" sz="2800" b="1" dirty="0" smtClean="0"/>
+              <a:t> </a:t>
+            </a:r>
+            <a:r>
+              <a:rPr lang="en-US" sz="2800" b="1" dirty="0" err="1" smtClean="0"/>
+              <a:t>câu</a:t>
+            </a:r>
+            <a:r>
+              <a:rPr lang="en-US" sz="2800" b="1" dirty="0" smtClean="0"/>
+              <a:t> </a:t>
+            </a:r>
+            <a:r>
+              <a:rPr lang="en-US" sz="2800" b="1" dirty="0" err="1" smtClean="0"/>
+              <a:t>hỏi</a:t>
+            </a:r>
+            <a:r>
+              <a:rPr lang="en-US" sz="2800" b="1" dirty="0" smtClean="0"/>
+              <a:t> </a:t>
+            </a:r>
+            <a:r>
+              <a:rPr lang="en-US" sz="2800" b="1" dirty="0" err="1" smtClean="0"/>
+              <a:t>cần</a:t>
+            </a:r>
+            <a:r>
+              <a:rPr lang="en-US" sz="2800" b="1" dirty="0" smtClean="0"/>
+              <a:t> </a:t>
+            </a:r>
+            <a:r>
+              <a:rPr lang="en-US" sz="2800" b="1" dirty="0" err="1" smtClean="0"/>
+              <a:t>trả</a:t>
+            </a:r>
+            <a:r>
+              <a:rPr lang="en-US" sz="2800" b="1" dirty="0" smtClean="0"/>
+              <a:t> </a:t>
+            </a:r>
+            <a:r>
+              <a:rPr lang="en-US" sz="2800" b="1" dirty="0" err="1" smtClean="0"/>
+              <a:t>lời</a:t>
+            </a:r>
+            <a:endParaRPr lang="en-US" sz="2800" b="1" dirty="0" smtClean="0"/>
+          </a:p>
+          <a:p>
+            <a:r>
+              <a:rPr lang="vi-VN" sz="1400" i="1" dirty="0" smtClean="0"/>
+              <a:t>Output - kết quả</a:t>
+            </a:r>
+            <a:r>
+              <a:rPr lang="vi-VN" sz="1400" dirty="0" smtClean="0"/>
+              <a:t> - củ một dự án góp vốn cộng đồng có thể được tính từ </a:t>
+            </a:r>
+            <a:r>
+              <a:rPr lang="vi-VN" sz="1400" i="1" dirty="0" smtClean="0"/>
+              <a:t>input - các thông tin về dự án</a:t>
+            </a:r>
+            <a:r>
+              <a:rPr lang="vi-VN" sz="1400" dirty="0" smtClean="0"/>
+              <a:t> - theo công thức nào?</a:t>
+            </a:r>
+            <a:endParaRPr lang="en-US" sz="1400" dirty="0"/>
+          </a:p>
+        </p:txBody>
+      </p:sp>
+    </p:spTree>
+  </p:cSld>
+  <p:clrMapOvr>
+    <a:masterClrMapping/>
+  </p:clrMapOvr>
+</p:sld>
+</file>
+
+<file path=ppt/slides/slide11.xml><?xml version="1.0" encoding="utf-8"?>
+<p:sld xmlns:a="http://schemas.openxmlformats.org/drawingml/2006/main" xmlns:r="http://schemas.openxmlformats.org/officeDocument/2006/relationships" xmlns:p="http://schemas.openxmlformats.org/presentationml/2006/main">
+  <p:cSld>
+    <p:spTree>
+      <p:nvGrpSpPr>
+        <p:cNvPr id="1" name=""/>
+        <p:cNvGrpSpPr/>
+        <p:nvPr/>
+      </p:nvGrpSpPr>
+      <p:grpSpPr>
+        <a:xfrm>
+          <a:off x="0" y="0"/>
+          <a:ext cx="0" cy="0"/>
+          <a:chOff x="0" y="0"/>
+          <a:chExt cx="0" cy="0"/>
+        </a:xfrm>
+      </p:grpSpPr>
+      <p:sp>
+        <p:nvSpPr>
+          <p:cNvPr id="2" name="TextBox 1"/>
+          <p:cNvSpPr txBox="1"/>
+          <p:nvPr/>
+        </p:nvSpPr>
+        <p:spPr>
+          <a:xfrm>
+            <a:off x="470262" y="261257"/>
+            <a:ext cx="7158447" cy="1169551"/>
+          </a:xfrm>
+          <a:prstGeom prst="rect">
+            <a:avLst/>
+          </a:prstGeom>
+          <a:noFill/>
+        </p:spPr>
+        <p:txBody>
+          <a:bodyPr wrap="square" rtlCol="0">
+            <a:spAutoFit/>
+          </a:bodyPr>
+          <a:lstStyle/>
+          <a:p>
+            <a:r>
+              <a:rPr lang="en-US" sz="2800" dirty="0" err="1" smtClean="0"/>
+              <a:t>Tách</a:t>
+            </a:r>
+            <a:r>
+              <a:rPr lang="en-US" sz="2800" dirty="0" smtClean="0"/>
+              <a:t> </a:t>
+            </a:r>
+            <a:r>
+              <a:rPr lang="en-US" sz="2800" dirty="0" err="1" smtClean="0"/>
+              <a:t>các</a:t>
+            </a:r>
+            <a:r>
+              <a:rPr lang="en-US" sz="2800" dirty="0" smtClean="0"/>
+              <a:t> </a:t>
+            </a:r>
+            <a:r>
+              <a:rPr lang="en-US" sz="2800" dirty="0" err="1" smtClean="0"/>
+              <a:t>tập</a:t>
+            </a:r>
+            <a:r>
+              <a:rPr lang="en-US" sz="2800" dirty="0" smtClean="0"/>
+              <a:t> </a:t>
+            </a:r>
+            <a:r>
+              <a:rPr lang="en-US" sz="2800" dirty="0" err="1" smtClean="0"/>
+              <a:t>huấn</a:t>
+            </a:r>
+            <a:r>
+              <a:rPr lang="en-US" sz="2800" dirty="0" smtClean="0"/>
+              <a:t> </a:t>
+            </a:r>
+            <a:r>
+              <a:rPr lang="en-US" sz="2800" dirty="0" err="1" smtClean="0"/>
+              <a:t>luyện</a:t>
+            </a:r>
+            <a:r>
+              <a:rPr lang="en-US" sz="2800" dirty="0" smtClean="0"/>
+              <a:t>, validation </a:t>
+            </a:r>
+            <a:r>
+              <a:rPr lang="en-US" sz="2800" dirty="0" err="1" smtClean="0"/>
+              <a:t>và</a:t>
+            </a:r>
+            <a:r>
+              <a:rPr lang="en-US" sz="2800" dirty="0" smtClean="0"/>
+              <a:t> </a:t>
+            </a:r>
+            <a:r>
+              <a:rPr lang="en-US" sz="2800" dirty="0" err="1" smtClean="0"/>
+              <a:t>kiểm</a:t>
+            </a:r>
+            <a:r>
+              <a:rPr lang="en-US" sz="2800" dirty="0" smtClean="0"/>
+              <a:t> </a:t>
+            </a:r>
+            <a:r>
+              <a:rPr lang="en-US" sz="2800" dirty="0" err="1" smtClean="0"/>
+              <a:t>tra</a:t>
+            </a:r>
+            <a:endParaRPr lang="en-US" sz="2800" dirty="0" smtClean="0"/>
+          </a:p>
+          <a:p>
+            <a:r>
+              <a:rPr lang="en-US" sz="1400" dirty="0" err="1" smtClean="0"/>
+              <a:t>Tạo</a:t>
+            </a:r>
+            <a:r>
+              <a:rPr lang="en-US" sz="1400" dirty="0" smtClean="0"/>
+              <a:t> </a:t>
+            </a:r>
+            <a:r>
+              <a:rPr lang="en-US" sz="1400" dirty="0" err="1" smtClean="0"/>
+              <a:t>các</a:t>
+            </a:r>
+            <a:r>
+              <a:rPr lang="en-US" sz="1400" dirty="0" smtClean="0"/>
+              <a:t> </a:t>
+            </a:r>
+            <a:r>
+              <a:rPr lang="en-US" sz="1400" dirty="0" err="1" smtClean="0"/>
+              <a:t>tập</a:t>
+            </a:r>
+            <a:r>
+              <a:rPr lang="en-US" sz="1400" dirty="0" smtClean="0"/>
+              <a:t> Input </a:t>
+            </a:r>
+            <a:r>
+              <a:rPr lang="en-US" sz="1400" dirty="0" err="1" smtClean="0"/>
+              <a:t>và</a:t>
+            </a:r>
+            <a:r>
+              <a:rPr lang="en-US" sz="1400" dirty="0" smtClean="0"/>
+              <a:t> Output</a:t>
+            </a:r>
+          </a:p>
+          <a:p>
+            <a:r>
+              <a:rPr lang="vi-VN" sz="1400" dirty="0" smtClean="0"/>
+              <a:t>Tách tập kiểm tra với tỷ lệ 20% tập dữ liệu ban </a:t>
+            </a:r>
+            <a:r>
+              <a:rPr lang="vi-VN" sz="1400" dirty="0" smtClean="0"/>
+              <a:t>đầ</a:t>
+            </a:r>
+            <a:r>
+              <a:rPr lang="en-US" sz="1400" dirty="0" smtClean="0"/>
+              <a:t>u</a:t>
+            </a:r>
+          </a:p>
+          <a:p>
+            <a:r>
+              <a:rPr lang="en-US" sz="1400" dirty="0" err="1" smtClean="0"/>
+              <a:t>Tách</a:t>
+            </a:r>
+            <a:r>
+              <a:rPr lang="en-US" sz="1400" dirty="0" smtClean="0"/>
+              <a:t> </a:t>
+            </a:r>
+            <a:r>
+              <a:rPr lang="en-US" sz="1400" dirty="0" err="1" smtClean="0"/>
+              <a:t>tập</a:t>
+            </a:r>
+            <a:r>
+              <a:rPr lang="en-US" sz="1400" dirty="0" smtClean="0"/>
+              <a:t> validation </a:t>
+            </a:r>
+            <a:r>
+              <a:rPr lang="en-US" sz="1400" dirty="0" err="1" smtClean="0"/>
+              <a:t>với</a:t>
+            </a:r>
+            <a:r>
+              <a:rPr lang="en-US" sz="1400" dirty="0" smtClean="0"/>
+              <a:t> </a:t>
+            </a:r>
+            <a:r>
+              <a:rPr lang="en-US" sz="1400" dirty="0" err="1" smtClean="0"/>
+              <a:t>tỷ</a:t>
+            </a:r>
+            <a:r>
+              <a:rPr lang="en-US" sz="1400" dirty="0" smtClean="0"/>
+              <a:t> </a:t>
+            </a:r>
+            <a:r>
+              <a:rPr lang="en-US" sz="1400" dirty="0" err="1" smtClean="0"/>
+              <a:t>lệ</a:t>
+            </a:r>
+            <a:r>
+              <a:rPr lang="en-US" sz="1400" dirty="0" smtClean="0"/>
+              <a:t> 20% </a:t>
+            </a:r>
+            <a:r>
+              <a:rPr lang="en-US" sz="1400" dirty="0" err="1" smtClean="0"/>
+              <a:t>tập</a:t>
+            </a:r>
+            <a:r>
+              <a:rPr lang="en-US" sz="1400" dirty="0" smtClean="0"/>
+              <a:t> </a:t>
+            </a:r>
+            <a:r>
+              <a:rPr lang="en-US" sz="1400" dirty="0" err="1" smtClean="0"/>
+              <a:t>dữ</a:t>
+            </a:r>
+            <a:r>
+              <a:rPr lang="en-US" sz="1400" dirty="0" smtClean="0"/>
+              <a:t> </a:t>
+            </a:r>
+            <a:r>
+              <a:rPr lang="en-US" sz="1400" dirty="0" err="1" smtClean="0"/>
+              <a:t>liệu</a:t>
+            </a:r>
+            <a:r>
+              <a:rPr lang="en-US" sz="1400" dirty="0" smtClean="0"/>
+              <a:t> </a:t>
+            </a:r>
+            <a:r>
+              <a:rPr lang="en-US" sz="1400" dirty="0" err="1" smtClean="0"/>
+              <a:t>sau</a:t>
+            </a:r>
+            <a:r>
+              <a:rPr lang="en-US" sz="1400" dirty="0" smtClean="0"/>
+              <a:t> </a:t>
+            </a:r>
+            <a:r>
+              <a:rPr lang="en-US" sz="1400" dirty="0" err="1" smtClean="0"/>
+              <a:t>khi</a:t>
+            </a:r>
+            <a:r>
+              <a:rPr lang="en-US" sz="1400" dirty="0" smtClean="0"/>
+              <a:t> </a:t>
+            </a:r>
+            <a:r>
+              <a:rPr lang="en-US" sz="1400" dirty="0" err="1" smtClean="0"/>
+              <a:t>tách</a:t>
+            </a:r>
+            <a:r>
+              <a:rPr lang="en-US" sz="1400" dirty="0" smtClean="0"/>
+              <a:t> </a:t>
+            </a:r>
+            <a:r>
+              <a:rPr lang="en-US" sz="1400" dirty="0" err="1" smtClean="0"/>
+              <a:t>tập</a:t>
+            </a:r>
+            <a:r>
+              <a:rPr lang="en-US" sz="1400" dirty="0" smtClean="0"/>
+              <a:t> </a:t>
+            </a:r>
+            <a:r>
+              <a:rPr lang="en-US" sz="1400" dirty="0" err="1" smtClean="0"/>
+              <a:t>kiểm</a:t>
+            </a:r>
+            <a:r>
+              <a:rPr lang="en-US" sz="1400" dirty="0" smtClean="0"/>
+              <a:t> </a:t>
+            </a:r>
+            <a:r>
+              <a:rPr lang="en-US" sz="1400" dirty="0" err="1" smtClean="0"/>
+              <a:t>tra</a:t>
+            </a:r>
+            <a:endParaRPr lang="en-US" sz="1400" dirty="0"/>
+          </a:p>
+        </p:txBody>
+      </p:sp>
+    </p:spTree>
+  </p:cSld>
+  <p:clrMapOvr>
+    <a:masterClrMapping/>
+  </p:clrMapOvr>
+</p:sld>
+</file>
+
+<file path=ppt/slides/slide12.xml><?xml version="1.0" encoding="utf-8"?>
+<p:sld xmlns:a="http://schemas.openxmlformats.org/drawingml/2006/main" xmlns:r="http://schemas.openxmlformats.org/officeDocument/2006/relationships" xmlns:p="http://schemas.openxmlformats.org/presentationml/2006/main">
+  <p:cSld>
+    <p:spTree>
+      <p:nvGrpSpPr>
+        <p:cNvPr id="1" name=""/>
+        <p:cNvGrpSpPr/>
+        <p:nvPr/>
+      </p:nvGrpSpPr>
+      <p:grpSpPr>
+        <a:xfrm>
+          <a:off x="0" y="0"/>
+          <a:ext cx="0" cy="0"/>
+          <a:chOff x="0" y="0"/>
+          <a:chExt cx="0" cy="0"/>
+        </a:xfrm>
+      </p:grpSpPr>
+      <p:sp>
+        <p:nvSpPr>
+          <p:cNvPr id="2" name="TextBox 1"/>
+          <p:cNvSpPr txBox="1"/>
+          <p:nvPr/>
+        </p:nvSpPr>
+        <p:spPr>
+          <a:xfrm>
+            <a:off x="849086" y="182880"/>
+            <a:ext cx="9170125" cy="3662541"/>
+          </a:xfrm>
+          <a:prstGeom prst="rect">
+            <a:avLst/>
+          </a:prstGeom>
+          <a:noFill/>
+        </p:spPr>
+        <p:txBody>
+          <a:bodyPr wrap="square" rtlCol="0">
+            <a:spAutoFit/>
+          </a:bodyPr>
+          <a:lstStyle/>
+          <a:p>
+            <a:r>
+              <a:rPr lang="en-US" sz="2800" b="1" dirty="0" err="1" smtClean="0"/>
+              <a:t>Khám</a:t>
+            </a:r>
+            <a:r>
+              <a:rPr lang="en-US" sz="2800" b="1" dirty="0" smtClean="0"/>
+              <a:t> </a:t>
+            </a:r>
+            <a:r>
+              <a:rPr lang="en-US" sz="2800" b="1" dirty="0" err="1" smtClean="0"/>
+              <a:t>phá</a:t>
+            </a:r>
+            <a:r>
+              <a:rPr lang="en-US" sz="2800" b="1" dirty="0" smtClean="0"/>
+              <a:t> </a:t>
+            </a:r>
+            <a:r>
+              <a:rPr lang="en-US" sz="2800" b="1" dirty="0" err="1" smtClean="0"/>
+              <a:t>dữ</a:t>
+            </a:r>
+            <a:r>
+              <a:rPr lang="en-US" sz="2800" b="1" dirty="0" smtClean="0"/>
+              <a:t> </a:t>
+            </a:r>
+            <a:r>
+              <a:rPr lang="en-US" sz="2800" b="1" dirty="0" err="1" smtClean="0"/>
+              <a:t>liệu</a:t>
+            </a:r>
+            <a:r>
+              <a:rPr lang="en-US" sz="2800" b="1" dirty="0" smtClean="0"/>
+              <a:t> </a:t>
+            </a:r>
+            <a:r>
+              <a:rPr lang="en-US" sz="2800" b="1" dirty="0" err="1" smtClean="0"/>
+              <a:t>trên</a:t>
+            </a:r>
+            <a:r>
+              <a:rPr lang="en-US" sz="2800" b="1" dirty="0" smtClean="0"/>
+              <a:t> </a:t>
+            </a:r>
+            <a:r>
+              <a:rPr lang="en-US" sz="2800" b="1" dirty="0" err="1" smtClean="0"/>
+              <a:t>tập</a:t>
+            </a:r>
+            <a:r>
+              <a:rPr lang="en-US" sz="2800" b="1" dirty="0" smtClean="0"/>
+              <a:t> </a:t>
+            </a:r>
+            <a:r>
+              <a:rPr lang="en-US" sz="2800" b="1" dirty="0" err="1" smtClean="0"/>
+              <a:t>huấn</a:t>
+            </a:r>
+            <a:r>
+              <a:rPr lang="en-US" sz="2800" b="1" dirty="0" smtClean="0"/>
+              <a:t> </a:t>
+            </a:r>
+            <a:r>
+              <a:rPr lang="en-US" sz="2800" b="1" dirty="0" err="1" smtClean="0"/>
+              <a:t>luyện</a:t>
+            </a:r>
+            <a:endParaRPr lang="en-US" sz="2800" b="1" dirty="0" smtClean="0"/>
+          </a:p>
+          <a:p>
+            <a:r>
+              <a:rPr lang="en-US" sz="1400" dirty="0" err="1" smtClean="0"/>
+              <a:t>Kiểm</a:t>
+            </a:r>
+            <a:r>
+              <a:rPr lang="en-US" sz="1400" dirty="0" smtClean="0"/>
+              <a:t> </a:t>
+            </a:r>
+            <a:r>
+              <a:rPr lang="en-US" sz="1400" dirty="0" err="1" smtClean="0"/>
+              <a:t>tra</a:t>
+            </a:r>
+            <a:r>
+              <a:rPr lang="en-US" sz="1400" dirty="0" smtClean="0"/>
+              <a:t> </a:t>
+            </a:r>
+            <a:r>
+              <a:rPr lang="en-US" sz="1400" dirty="0" err="1" smtClean="0"/>
+              <a:t>tập</a:t>
+            </a:r>
+            <a:r>
+              <a:rPr lang="en-US" sz="1400" dirty="0" smtClean="0"/>
+              <a:t> input </a:t>
+            </a:r>
+            <a:r>
+              <a:rPr lang="en-US" sz="1400" dirty="0" err="1" smtClean="0"/>
+              <a:t>có</a:t>
+            </a:r>
+            <a:r>
+              <a:rPr lang="en-US" sz="1400" dirty="0" smtClean="0"/>
+              <a:t> </a:t>
+            </a:r>
+            <a:r>
+              <a:rPr lang="en-US" sz="1400" dirty="0" err="1" smtClean="0"/>
+              <a:t>tập</a:t>
+            </a:r>
+            <a:r>
+              <a:rPr lang="en-US" sz="1400" dirty="0" smtClean="0"/>
+              <a:t> </a:t>
+            </a:r>
+            <a:r>
+              <a:rPr lang="en-US" sz="1400" dirty="0" err="1" smtClean="0"/>
+              <a:t>dữ</a:t>
+            </a:r>
+            <a:r>
+              <a:rPr lang="en-US" sz="1400" dirty="0" smtClean="0"/>
+              <a:t> </a:t>
+            </a:r>
+            <a:r>
+              <a:rPr lang="en-US" sz="1400" dirty="0" err="1" smtClean="0"/>
+              <a:t>liệu</a:t>
+            </a:r>
+            <a:r>
+              <a:rPr lang="en-US" sz="1400" dirty="0" smtClean="0"/>
+              <a:t>, </a:t>
+            </a:r>
+            <a:r>
+              <a:rPr lang="en-US" sz="1400" dirty="0" err="1" smtClean="0"/>
+              <a:t>dùng</a:t>
+            </a:r>
+            <a:r>
+              <a:rPr lang="en-US" sz="1400" dirty="0" smtClean="0"/>
+              <a:t> </a:t>
+            </a:r>
+            <a:r>
+              <a:rPr lang="en-US" sz="1400" dirty="0" err="1" smtClean="0"/>
+              <a:t>hàm</a:t>
+            </a:r>
+            <a:r>
+              <a:rPr lang="en-US" sz="1400" dirty="0" smtClean="0"/>
+              <a:t> </a:t>
+            </a:r>
+            <a:r>
+              <a:rPr lang="en-US" sz="1400" dirty="0" err="1" smtClean="0"/>
+              <a:t>dtypes</a:t>
+            </a:r>
+            <a:endParaRPr lang="en-US" sz="1400" dirty="0" smtClean="0"/>
+          </a:p>
+          <a:p>
+            <a:r>
+              <a:rPr lang="vi-VN" sz="1400" dirty="0" smtClean="0"/>
+              <a:t>các cột "deadline", "created_at" và "launched_at" có ý nghĩa liên quan đến ngày tháng nhưng hiện đang ở dạng timestamp và có kiểu dữ liệu int64</a:t>
+            </a:r>
+            <a:endParaRPr lang="en-US" sz="1400" dirty="0" smtClean="0"/>
+          </a:p>
+          <a:p>
+            <a:r>
+              <a:rPr lang="en-US" dirty="0" err="1" smtClean="0"/>
+              <a:t>Thực</a:t>
+            </a:r>
+            <a:r>
+              <a:rPr lang="en-US" dirty="0" smtClean="0"/>
+              <a:t> </a:t>
+            </a:r>
+            <a:r>
+              <a:rPr lang="en-US" dirty="0" err="1" smtClean="0"/>
+              <a:t>hiện</a:t>
+            </a:r>
+            <a:r>
+              <a:rPr lang="en-US" dirty="0" smtClean="0"/>
+              <a:t> </a:t>
+            </a:r>
+            <a:r>
+              <a:rPr lang="en-US" dirty="0" err="1" smtClean="0"/>
+              <a:t>tiền</a:t>
+            </a:r>
+            <a:r>
+              <a:rPr lang="en-US" dirty="0" smtClean="0"/>
+              <a:t> </a:t>
+            </a:r>
+            <a:r>
+              <a:rPr lang="en-US" dirty="0" err="1" smtClean="0"/>
+              <a:t>xử</a:t>
+            </a:r>
+            <a:r>
+              <a:rPr lang="en-US" dirty="0" smtClean="0"/>
+              <a:t> </a:t>
+            </a:r>
+            <a:r>
+              <a:rPr lang="en-US" dirty="0" err="1" smtClean="0"/>
+              <a:t>lý</a:t>
+            </a:r>
+            <a:r>
+              <a:rPr lang="en-US" dirty="0" smtClean="0"/>
+              <a:t> </a:t>
+            </a:r>
+            <a:r>
+              <a:rPr lang="en-US" dirty="0" err="1" smtClean="0"/>
+              <a:t>dữ</a:t>
+            </a:r>
+            <a:r>
+              <a:rPr lang="en-US" dirty="0" smtClean="0"/>
+              <a:t> </a:t>
+            </a:r>
+            <a:r>
+              <a:rPr lang="en-US" dirty="0" err="1" smtClean="0"/>
+              <a:t>liệu</a:t>
+            </a:r>
+            <a:r>
+              <a:rPr lang="en-US" dirty="0" smtClean="0"/>
+              <a:t>: </a:t>
+            </a:r>
+            <a:r>
+              <a:rPr lang="en-US" dirty="0" err="1" smtClean="0"/>
+              <a:t>Chuyển</a:t>
+            </a:r>
+            <a:r>
+              <a:rPr lang="en-US" dirty="0" smtClean="0"/>
+              <a:t> </a:t>
+            </a:r>
+            <a:r>
+              <a:rPr lang="en-US" dirty="0" err="1" smtClean="0"/>
+              <a:t>các</a:t>
+            </a:r>
+            <a:r>
+              <a:rPr lang="en-US" dirty="0" smtClean="0"/>
+              <a:t> </a:t>
+            </a:r>
+            <a:r>
+              <a:rPr lang="en-US" dirty="0" err="1" smtClean="0"/>
+              <a:t>cột</a:t>
+            </a:r>
+            <a:r>
+              <a:rPr lang="en-US" dirty="0" smtClean="0"/>
+              <a:t> ở </a:t>
+            </a:r>
+            <a:r>
+              <a:rPr lang="en-US" dirty="0" err="1" smtClean="0"/>
+              <a:t>trên</a:t>
+            </a:r>
+            <a:r>
+              <a:rPr lang="en-US" dirty="0" smtClean="0"/>
+              <a:t> </a:t>
+            </a:r>
+            <a:r>
+              <a:rPr lang="en-US" dirty="0" err="1" smtClean="0"/>
+              <a:t>về</a:t>
+            </a:r>
+            <a:r>
+              <a:rPr lang="en-US" dirty="0" smtClean="0"/>
+              <a:t> </a:t>
+            </a:r>
+            <a:r>
+              <a:rPr lang="en-US" dirty="0" err="1" smtClean="0"/>
+              <a:t>kiểu</a:t>
+            </a:r>
+            <a:r>
+              <a:rPr lang="en-US" dirty="0" smtClean="0"/>
+              <a:t> </a:t>
+            </a:r>
+            <a:r>
+              <a:rPr lang="en-US" dirty="0" err="1" smtClean="0"/>
+              <a:t>dữ</a:t>
+            </a:r>
+            <a:r>
+              <a:rPr lang="en-US" dirty="0" smtClean="0"/>
+              <a:t> </a:t>
+            </a:r>
+            <a:r>
+              <a:rPr lang="en-US" dirty="0" err="1" smtClean="0"/>
+              <a:t>liệu</a:t>
+            </a:r>
+            <a:r>
+              <a:rPr lang="en-US" dirty="0" smtClean="0"/>
+              <a:t> </a:t>
+            </a:r>
+            <a:r>
+              <a:rPr lang="en-US" dirty="0" err="1" smtClean="0"/>
+              <a:t>datetime</a:t>
+            </a:r>
+            <a:r>
+              <a:rPr lang="en-US" dirty="0" smtClean="0"/>
+              <a:t> </a:t>
+            </a:r>
+            <a:r>
+              <a:rPr lang="en-US" dirty="0" err="1" smtClean="0"/>
+              <a:t>dùng</a:t>
+            </a:r>
+            <a:r>
+              <a:rPr lang="en-US" dirty="0" smtClean="0"/>
+              <a:t> </a:t>
+            </a:r>
+            <a:r>
+              <a:rPr lang="en-US" dirty="0" err="1" smtClean="0"/>
+              <a:t>hàm</a:t>
+            </a:r>
+            <a:r>
+              <a:rPr lang="en-US" dirty="0" smtClean="0"/>
+              <a:t> </a:t>
+            </a:r>
+            <a:r>
+              <a:rPr lang="en-US" dirty="0" err="1" smtClean="0"/>
+              <a:t>applymap</a:t>
+            </a:r>
+            <a:r>
+              <a:rPr lang="en-US" dirty="0" smtClean="0"/>
+              <a:t>(timestamp) </a:t>
+            </a:r>
+            <a:r>
+              <a:rPr lang="en-US" dirty="0" err="1" smtClean="0"/>
+              <a:t>và</a:t>
+            </a:r>
+            <a:r>
+              <a:rPr lang="en-US" dirty="0" smtClean="0"/>
+              <a:t> apply(</a:t>
+            </a:r>
+            <a:r>
+              <a:rPr lang="en-US" dirty="0" err="1" smtClean="0"/>
+              <a:t>date_time</a:t>
+            </a:r>
+            <a:r>
+              <a:rPr lang="en-US" dirty="0" smtClean="0"/>
+              <a:t>)</a:t>
+            </a:r>
+          </a:p>
+          <a:p>
+            <a:r>
+              <a:rPr lang="en-US" dirty="0" err="1" smtClean="0"/>
+              <a:t>Cột</a:t>
+            </a:r>
+            <a:r>
+              <a:rPr lang="en-US" dirty="0" smtClean="0"/>
+              <a:t> input </a:t>
+            </a:r>
+            <a:r>
+              <a:rPr lang="en-US" dirty="0" err="1" smtClean="0"/>
+              <a:t>có</a:t>
+            </a:r>
+            <a:r>
+              <a:rPr lang="en-US" dirty="0" smtClean="0"/>
+              <a:t> </a:t>
+            </a:r>
+            <a:r>
+              <a:rPr lang="en-US" dirty="0" err="1" smtClean="0"/>
+              <a:t>kiểu</a:t>
+            </a:r>
+            <a:r>
+              <a:rPr lang="en-US" dirty="0" smtClean="0"/>
+              <a:t> </a:t>
+            </a:r>
+            <a:r>
+              <a:rPr lang="en-US" dirty="0" err="1" smtClean="0"/>
+              <a:t>dữ</a:t>
+            </a:r>
+            <a:r>
+              <a:rPr lang="en-US" dirty="0" smtClean="0"/>
+              <a:t> </a:t>
+            </a:r>
+            <a:r>
+              <a:rPr lang="en-US" dirty="0" err="1" smtClean="0"/>
+              <a:t>liệu</a:t>
+            </a:r>
+            <a:r>
+              <a:rPr lang="en-US" dirty="0" smtClean="0"/>
+              <a:t> </a:t>
+            </a:r>
+            <a:r>
+              <a:rPr lang="en-US" dirty="0" err="1" smtClean="0"/>
+              <a:t>dạng</a:t>
+            </a:r>
+            <a:r>
+              <a:rPr lang="en-US" dirty="0" smtClean="0"/>
+              <a:t> </a:t>
+            </a:r>
+            <a:r>
+              <a:rPr lang="en-US" dirty="0" err="1" smtClean="0"/>
+              <a:t>số</a:t>
+            </a:r>
+            <a:r>
+              <a:rPr lang="en-US" dirty="0" smtClean="0"/>
+              <a:t>, </a:t>
+            </a:r>
+            <a:r>
+              <a:rPr lang="en-US" dirty="0" err="1" smtClean="0"/>
+              <a:t>các</a:t>
+            </a:r>
+            <a:r>
+              <a:rPr lang="en-US" dirty="0" smtClean="0"/>
+              <a:t> </a:t>
+            </a:r>
+            <a:r>
+              <a:rPr lang="en-US" dirty="0" err="1" smtClean="0"/>
+              <a:t>giá</a:t>
+            </a:r>
+            <a:r>
+              <a:rPr lang="en-US" dirty="0" smtClean="0"/>
+              <a:t> </a:t>
+            </a:r>
+            <a:r>
+              <a:rPr lang="en-US" dirty="0" err="1" smtClean="0"/>
+              <a:t>trị</a:t>
+            </a:r>
+            <a:r>
+              <a:rPr lang="en-US" dirty="0" smtClean="0"/>
+              <a:t> </a:t>
+            </a:r>
+            <a:r>
+              <a:rPr lang="en-US" dirty="0" err="1" smtClean="0"/>
+              <a:t>được</a:t>
+            </a:r>
+            <a:r>
+              <a:rPr lang="en-US" dirty="0" smtClean="0"/>
+              <a:t> </a:t>
+            </a:r>
+            <a:r>
+              <a:rPr lang="en-US" dirty="0" err="1" smtClean="0"/>
+              <a:t>phân</a:t>
+            </a:r>
+            <a:r>
+              <a:rPr lang="en-US" dirty="0" smtClean="0"/>
+              <a:t> </a:t>
+            </a:r>
+            <a:r>
+              <a:rPr lang="en-US" dirty="0" err="1" smtClean="0"/>
+              <a:t>bố</a:t>
+            </a:r>
+            <a:r>
+              <a:rPr lang="en-US" dirty="0" smtClean="0"/>
+              <a:t> </a:t>
+            </a:r>
+            <a:r>
+              <a:rPr lang="en-US" dirty="0" err="1" smtClean="0"/>
+              <a:t>thông</a:t>
+            </a:r>
+            <a:r>
+              <a:rPr lang="en-US" dirty="0" smtClean="0"/>
+              <a:t> qua </a:t>
+            </a:r>
+            <a:r>
+              <a:rPr lang="en-US" dirty="0" err="1" smtClean="0"/>
+              <a:t>tỷ</a:t>
+            </a:r>
+            <a:r>
+              <a:rPr lang="en-US" dirty="0" smtClean="0"/>
+              <a:t> </a:t>
+            </a:r>
+            <a:r>
+              <a:rPr lang="en-US" dirty="0" err="1" smtClean="0"/>
+              <a:t>lệ</a:t>
+            </a:r>
+            <a:r>
+              <a:rPr lang="en-US" dirty="0" smtClean="0"/>
+              <a:t> </a:t>
+            </a:r>
+            <a:r>
+              <a:rPr lang="en-US" dirty="0" err="1" smtClean="0"/>
+              <a:t>thiếu</a:t>
+            </a:r>
+            <a:r>
+              <a:rPr lang="en-US" dirty="0" smtClean="0"/>
+              <a:t>(</a:t>
+            </a:r>
+            <a:r>
+              <a:rPr lang="en-US" dirty="0" err="1" smtClean="0"/>
+              <a:t>missing_ratio</a:t>
+            </a:r>
+            <a:r>
+              <a:rPr lang="en-US" dirty="0" smtClean="0"/>
+              <a:t>) </a:t>
+            </a:r>
+            <a:r>
+              <a:rPr lang="en-US" dirty="0" err="1" smtClean="0"/>
+              <a:t>và</a:t>
+            </a:r>
+            <a:r>
+              <a:rPr lang="en-US" dirty="0" smtClean="0"/>
+              <a:t> Five-number summary( Min, </a:t>
+            </a:r>
+            <a:r>
+              <a:rPr lang="en-US" dirty="0" err="1" smtClean="0"/>
+              <a:t>Tứ</a:t>
+            </a:r>
+            <a:r>
+              <a:rPr lang="en-US" dirty="0" smtClean="0"/>
+              <a:t> </a:t>
+            </a:r>
+            <a:r>
+              <a:rPr lang="en-US" dirty="0" err="1" smtClean="0"/>
+              <a:t>phân</a:t>
+            </a:r>
+            <a:r>
+              <a:rPr lang="en-US" dirty="0" smtClean="0"/>
+              <a:t> </a:t>
+            </a:r>
+            <a:r>
+              <a:rPr lang="en-US" dirty="0" err="1" smtClean="0"/>
+              <a:t>vị</a:t>
+            </a:r>
+            <a:r>
+              <a:rPr lang="en-US" dirty="0" smtClean="0"/>
+              <a:t> </a:t>
+            </a:r>
+            <a:r>
+              <a:rPr lang="en-US" dirty="0" err="1" smtClean="0"/>
+              <a:t>dưới</a:t>
+            </a:r>
+            <a:r>
+              <a:rPr lang="en-US" dirty="0" smtClean="0"/>
+              <a:t>, </a:t>
+            </a:r>
+            <a:r>
+              <a:rPr lang="en-US" dirty="0" err="1" smtClean="0"/>
+              <a:t>Trung</a:t>
+            </a:r>
+            <a:r>
+              <a:rPr lang="en-US" dirty="0" smtClean="0"/>
+              <a:t> </a:t>
+            </a:r>
+            <a:r>
+              <a:rPr lang="en-US" dirty="0" err="1" smtClean="0"/>
+              <a:t>vị</a:t>
+            </a:r>
+            <a:r>
+              <a:rPr lang="en-US" dirty="0" smtClean="0"/>
+              <a:t>, </a:t>
+            </a:r>
+            <a:r>
+              <a:rPr lang="en-US" dirty="0" err="1" smtClean="0"/>
+              <a:t>Tứ</a:t>
+            </a:r>
+            <a:r>
+              <a:rPr lang="en-US" dirty="0" smtClean="0"/>
+              <a:t> </a:t>
+            </a:r>
+            <a:r>
+              <a:rPr lang="en-US" dirty="0" err="1" smtClean="0"/>
+              <a:t>phân</a:t>
+            </a:r>
+            <a:r>
+              <a:rPr lang="en-US" dirty="0" smtClean="0"/>
+              <a:t> </a:t>
+            </a:r>
+            <a:r>
+              <a:rPr lang="en-US" dirty="0" err="1" smtClean="0"/>
+              <a:t>vị</a:t>
+            </a:r>
+            <a:r>
+              <a:rPr lang="en-US" dirty="0" smtClean="0"/>
+              <a:t> </a:t>
+            </a:r>
+            <a:r>
+              <a:rPr lang="en-US" dirty="0" err="1" smtClean="0"/>
+              <a:t>trên,Max</a:t>
+            </a:r>
+            <a:r>
+              <a:rPr lang="en-US" dirty="0" smtClean="0"/>
+              <a:t>)</a:t>
+            </a:r>
+          </a:p>
+          <a:p>
+            <a:r>
+              <a:rPr lang="en-US" dirty="0" err="1" smtClean="0"/>
+              <a:t>xóa</a:t>
+            </a:r>
+            <a:r>
+              <a:rPr lang="en-US" dirty="0" smtClean="0"/>
+              <a:t> </a:t>
+            </a:r>
+            <a:r>
+              <a:rPr lang="en-US" dirty="0" err="1" smtClean="0"/>
+              <a:t>cột</a:t>
+            </a:r>
+            <a:r>
+              <a:rPr lang="en-US" dirty="0" smtClean="0"/>
+              <a:t> ‘pledged’ </a:t>
+            </a:r>
+            <a:r>
+              <a:rPr lang="en-US" dirty="0" err="1" smtClean="0"/>
+              <a:t>và</a:t>
+            </a:r>
+            <a:r>
+              <a:rPr lang="en-US" dirty="0" smtClean="0"/>
+              <a:t> </a:t>
+            </a:r>
+            <a:r>
+              <a:rPr lang="en-US" dirty="0" err="1" smtClean="0"/>
+              <a:t>cột</a:t>
+            </a:r>
+            <a:r>
+              <a:rPr lang="en-US" dirty="0" smtClean="0"/>
+              <a:t> </a:t>
+            </a:r>
+            <a:r>
+              <a:rPr lang="en-US" dirty="0" smtClean="0"/>
+              <a:t>‘</a:t>
+            </a:r>
+            <a:r>
+              <a:rPr lang="en-US" dirty="0" err="1" smtClean="0"/>
+              <a:t>backers_count</a:t>
+            </a:r>
+            <a:r>
+              <a:rPr lang="en-US" dirty="0" smtClean="0"/>
+              <a:t>’ </a:t>
+            </a:r>
+            <a:r>
+              <a:rPr lang="en-US" dirty="0" err="1" smtClean="0"/>
+              <a:t>dùng</a:t>
+            </a:r>
+            <a:r>
+              <a:rPr lang="en-US" dirty="0" smtClean="0"/>
+              <a:t> </a:t>
+            </a:r>
+            <a:r>
+              <a:rPr lang="en-US" dirty="0" err="1" smtClean="0"/>
+              <a:t>hàm</a:t>
+            </a:r>
+            <a:r>
+              <a:rPr lang="en-US" dirty="0" smtClean="0"/>
+              <a:t> drop</a:t>
+            </a:r>
+          </a:p>
+          <a:p>
+            <a:r>
+              <a:rPr lang="en-US" dirty="0" err="1" smtClean="0"/>
+              <a:t>quy</a:t>
+            </a:r>
+            <a:r>
+              <a:rPr lang="en-US" dirty="0" smtClean="0"/>
+              <a:t> </a:t>
+            </a:r>
+            <a:r>
+              <a:rPr lang="en-US" dirty="0" err="1" smtClean="0"/>
+              <a:t>đổi</a:t>
+            </a:r>
+            <a:r>
+              <a:rPr lang="en-US" dirty="0" smtClean="0"/>
+              <a:t> </a:t>
+            </a:r>
+            <a:r>
+              <a:rPr lang="en-US" dirty="0" err="1" smtClean="0"/>
+              <a:t>đơn</a:t>
+            </a:r>
+            <a:r>
+              <a:rPr lang="en-US" dirty="0" smtClean="0"/>
+              <a:t> </a:t>
+            </a:r>
+            <a:r>
+              <a:rPr lang="en-US" dirty="0" err="1" smtClean="0"/>
+              <a:t>vị</a:t>
+            </a:r>
+            <a:r>
+              <a:rPr lang="en-US" dirty="0" smtClean="0"/>
+              <a:t> ở </a:t>
+            </a:r>
+            <a:r>
+              <a:rPr lang="en-US" dirty="0" err="1" smtClean="0"/>
+              <a:t>cột</a:t>
+            </a:r>
+            <a:r>
+              <a:rPr lang="en-US" dirty="0" smtClean="0"/>
+              <a:t> ‘goal’</a:t>
+            </a:r>
+          </a:p>
+          <a:p>
+            <a:r>
+              <a:rPr lang="en-US" dirty="0" err="1" smtClean="0"/>
+              <a:t>Rời</a:t>
+            </a:r>
+            <a:r>
+              <a:rPr lang="en-US" dirty="0" smtClean="0"/>
+              <a:t> </a:t>
+            </a:r>
+            <a:r>
+              <a:rPr lang="en-US" dirty="0" err="1" smtClean="0"/>
+              <a:t>rạc</a:t>
+            </a:r>
+            <a:r>
+              <a:rPr lang="en-US" dirty="0" smtClean="0"/>
+              <a:t> </a:t>
+            </a:r>
+            <a:r>
+              <a:rPr lang="en-US" dirty="0" err="1" smtClean="0"/>
+              <a:t>hóa</a:t>
+            </a:r>
+            <a:r>
+              <a:rPr lang="en-US" dirty="0" smtClean="0"/>
+              <a:t> </a:t>
+            </a:r>
+            <a:r>
+              <a:rPr lang="en-US" dirty="0" err="1" smtClean="0"/>
+              <a:t>cột</a:t>
+            </a:r>
+            <a:r>
+              <a:rPr lang="en-US" dirty="0" smtClean="0"/>
+              <a:t> ‘goal’, ‘</a:t>
+            </a:r>
+            <a:r>
+              <a:rPr lang="en-US" dirty="0" err="1" smtClean="0"/>
+              <a:t>funding_period</a:t>
+            </a:r>
+            <a:r>
+              <a:rPr lang="en-US" dirty="0" smtClean="0"/>
+              <a:t>’, ‘</a:t>
+            </a:r>
+            <a:r>
+              <a:rPr lang="en-US" dirty="0" err="1" smtClean="0"/>
+              <a:t>launch_period</a:t>
+            </a:r>
+            <a:r>
+              <a:rPr lang="en-US" dirty="0" smtClean="0"/>
+              <a:t>’ </a:t>
+            </a:r>
+            <a:r>
+              <a:rPr lang="en-US" dirty="0" err="1" smtClean="0"/>
+              <a:t>dùng</a:t>
+            </a:r>
+            <a:r>
+              <a:rPr lang="en-US" dirty="0" smtClean="0"/>
+              <a:t> </a:t>
+            </a:r>
+            <a:r>
+              <a:rPr lang="en-US" dirty="0" err="1" smtClean="0"/>
+              <a:t>hàm</a:t>
+            </a:r>
+            <a:r>
+              <a:rPr lang="en-US" dirty="0" smtClean="0"/>
+              <a:t> </a:t>
+            </a:r>
+            <a:r>
+              <a:rPr lang="en-US" dirty="0" err="1" smtClean="0"/>
+              <a:t>quantile</a:t>
+            </a:r>
+            <a:endParaRPr lang="en-US" dirty="0" smtClean="0"/>
+          </a:p>
+          <a:p>
+            <a:r>
+              <a:rPr lang="en-US" dirty="0" err="1" smtClean="0"/>
+              <a:t>Rút</a:t>
+            </a:r>
+            <a:r>
+              <a:rPr lang="en-US" dirty="0" smtClean="0"/>
+              <a:t> </a:t>
+            </a:r>
+            <a:r>
+              <a:rPr lang="en-US" dirty="0" err="1" smtClean="0"/>
+              <a:t>trích</a:t>
+            </a:r>
+            <a:r>
+              <a:rPr lang="en-US" dirty="0" smtClean="0"/>
+              <a:t> </a:t>
+            </a:r>
+            <a:r>
+              <a:rPr lang="en-US" dirty="0" err="1" smtClean="0"/>
+              <a:t>đặc</a:t>
+            </a:r>
+            <a:r>
+              <a:rPr lang="en-US" dirty="0" smtClean="0"/>
+              <a:t> </a:t>
+            </a:r>
+            <a:r>
+              <a:rPr lang="en-US" dirty="0" err="1" smtClean="0"/>
+              <a:t>trưng</a:t>
+            </a:r>
+            <a:r>
+              <a:rPr lang="en-US" dirty="0" smtClean="0"/>
+              <a:t> </a:t>
+            </a:r>
+            <a:r>
+              <a:rPr lang="en-US" dirty="0" err="1" smtClean="0"/>
+              <a:t>cột</a:t>
+            </a:r>
+            <a:r>
+              <a:rPr lang="en-US" dirty="0" smtClean="0"/>
+              <a:t> ‘name’ </a:t>
+            </a:r>
+            <a:r>
+              <a:rPr lang="en-US" dirty="0" err="1" smtClean="0"/>
+              <a:t>và</a:t>
+            </a:r>
+            <a:r>
+              <a:rPr lang="en-US" dirty="0" smtClean="0"/>
+              <a:t> </a:t>
+            </a:r>
+            <a:r>
+              <a:rPr lang="en-US" dirty="0" smtClean="0"/>
+              <a:t>‘blurb’, </a:t>
+            </a:r>
+            <a:r>
+              <a:rPr lang="en-US" dirty="0" err="1" smtClean="0"/>
+              <a:t>sử</a:t>
+            </a:r>
+            <a:r>
+              <a:rPr lang="en-US" dirty="0" smtClean="0"/>
+              <a:t> </a:t>
+            </a:r>
+            <a:r>
+              <a:rPr lang="en-US" dirty="0" err="1" smtClean="0"/>
+              <a:t>dụng</a:t>
+            </a:r>
+            <a:r>
+              <a:rPr lang="en-US" dirty="0" smtClean="0"/>
+              <a:t> </a:t>
+            </a:r>
+            <a:r>
+              <a:rPr lang="en-US" dirty="0" err="1" smtClean="0"/>
+              <a:t>TfidfVectorizer</a:t>
+            </a:r>
+            <a:endParaRPr lang="en-US" dirty="0" smtClean="0"/>
+          </a:p>
+          <a:p>
+            <a:endParaRPr lang="en-US" dirty="0" smtClean="0"/>
+          </a:p>
+        </p:txBody>
+      </p:sp>
+    </p:spTree>
+  </p:cSld>
+  <p:clrMapOvr>
+    <a:masterClrMapping/>
+  </p:clrMapOvr>
+</p:sld>
+</file>
+
+<file path=ppt/slides/slide13.xml><?xml version="1.0" encoding="utf-8"?>
+<p:sld xmlns:a="http://schemas.openxmlformats.org/drawingml/2006/main" xmlns:r="http://schemas.openxmlformats.org/officeDocument/2006/relationships" xmlns:p="http://schemas.openxmlformats.org/presentationml/2006/main">
+  <p:cSld>
+    <p:spTree>
+      <p:nvGrpSpPr>
+        <p:cNvPr id="1" name=""/>
+        <p:cNvGrpSpPr/>
+        <p:nvPr/>
+      </p:nvGrpSpPr>
+      <p:grpSpPr>
+        <a:xfrm>
+          <a:off x="0" y="0"/>
+          <a:ext cx="0" cy="0"/>
+          <a:chOff x="0" y="0"/>
+          <a:chExt cx="0" cy="0"/>
+        </a:xfrm>
+      </p:grpSpPr>
+      <p:sp>
+        <p:nvSpPr>
+          <p:cNvPr id="2" name="TextBox 1"/>
+          <p:cNvSpPr txBox="1"/>
+          <p:nvPr/>
+        </p:nvSpPr>
+        <p:spPr>
+          <a:xfrm>
+            <a:off x="862149" y="248194"/>
+            <a:ext cx="8895805" cy="2031325"/>
+          </a:xfrm>
+          <a:prstGeom prst="rect">
+            <a:avLst/>
+          </a:prstGeom>
+          <a:noFill/>
+        </p:spPr>
+        <p:txBody>
+          <a:bodyPr wrap="square" rtlCol="0">
+            <a:spAutoFit/>
+          </a:bodyPr>
+          <a:lstStyle/>
+          <a:p>
+            <a:r>
+              <a:rPr lang="en-US" sz="2800" b="1" dirty="0" err="1" smtClean="0"/>
+              <a:t>Tiền</a:t>
+            </a:r>
+            <a:r>
+              <a:rPr lang="en-US" sz="2800" b="1" dirty="0" smtClean="0"/>
+              <a:t> </a:t>
+            </a:r>
+            <a:r>
+              <a:rPr lang="en-US" sz="2800" b="1" dirty="0" err="1" smtClean="0"/>
+              <a:t>xử</a:t>
+            </a:r>
+            <a:r>
+              <a:rPr lang="en-US" sz="2800" b="1" dirty="0" smtClean="0"/>
+              <a:t> </a:t>
+            </a:r>
+            <a:r>
+              <a:rPr lang="en-US" sz="2800" b="1" dirty="0" err="1" smtClean="0"/>
+              <a:t>lý</a:t>
+            </a:r>
+            <a:r>
+              <a:rPr lang="en-US" sz="2800" b="1" dirty="0" smtClean="0"/>
+              <a:t>(</a:t>
+            </a:r>
+            <a:r>
+              <a:rPr lang="en-US" sz="2800" b="1" dirty="0" err="1" smtClean="0"/>
+              <a:t>Tiếp</a:t>
+            </a:r>
+            <a:r>
+              <a:rPr lang="en-US" sz="2800" b="1" dirty="0" smtClean="0"/>
+              <a:t> </a:t>
+            </a:r>
+            <a:r>
+              <a:rPr lang="en-US" sz="2800" b="1" dirty="0" err="1" smtClean="0"/>
+              <a:t>theo</a:t>
+            </a:r>
+            <a:r>
+              <a:rPr lang="en-US" sz="2800" b="1" dirty="0" smtClean="0"/>
+              <a:t>)</a:t>
+            </a:r>
+          </a:p>
+          <a:p>
+            <a:r>
+              <a:rPr lang="en-US" sz="1400" dirty="0" err="1" smtClean="0"/>
+              <a:t>Tạo</a:t>
+            </a:r>
+            <a:r>
+              <a:rPr lang="en-US" sz="1400" dirty="0" smtClean="0"/>
+              <a:t> Pipeline</a:t>
+            </a:r>
+          </a:p>
+          <a:p>
+            <a:r>
+              <a:rPr lang="vi-VN" sz="1400" dirty="0" smtClean="0"/>
+              <a:t>Thử nghiệm mô hình với các siêu tham số:</a:t>
+            </a:r>
+          </a:p>
+          <a:p>
+            <a:r>
+              <a:rPr lang="vi-VN" sz="1400" dirty="0" smtClean="0"/>
+              <a:t>Siêu tham số n_components của TruncatedSVD trong pipeline tiền xử lý các cột định danh không thứ tự với 5 giá trị khác nhau: 2, 3, 5, 8, 13.</a:t>
+            </a:r>
+          </a:p>
+          <a:p>
+            <a:r>
+              <a:rPr lang="vi-VN" sz="1400" dirty="0" smtClean="0"/>
+              <a:t>Siêu tham số alpha của MLPClassifier với các giá trị: 0.001, 1, </a:t>
+            </a:r>
+            <a:r>
+              <a:rPr lang="vi-VN" sz="1400" dirty="0" smtClean="0"/>
+              <a:t>10</a:t>
+            </a:r>
+            <a:endParaRPr lang="en-US" sz="1400" dirty="0" smtClean="0"/>
+          </a:p>
+          <a:p>
+            <a:r>
+              <a:rPr lang="en-US" sz="1400" dirty="0" err="1" smtClean="0"/>
+              <a:t>Trực</a:t>
+            </a:r>
+            <a:r>
+              <a:rPr lang="en-US" sz="1400" dirty="0" smtClean="0"/>
+              <a:t> </a:t>
+            </a:r>
+            <a:r>
+              <a:rPr lang="en-US" sz="1400" dirty="0" err="1" smtClean="0"/>
+              <a:t>quan</a:t>
+            </a:r>
+            <a:r>
+              <a:rPr lang="en-US" sz="1400" dirty="0" smtClean="0"/>
+              <a:t> </a:t>
+            </a:r>
+            <a:r>
+              <a:rPr lang="en-US" sz="1400" dirty="0" err="1" smtClean="0"/>
+              <a:t>hóa</a:t>
+            </a:r>
+            <a:r>
+              <a:rPr lang="en-US" sz="1400" dirty="0" smtClean="0"/>
+              <a:t> </a:t>
+            </a:r>
+            <a:r>
+              <a:rPr lang="en-US" sz="1400" dirty="0" err="1" smtClean="0"/>
+              <a:t>kết</a:t>
+            </a:r>
+            <a:r>
+              <a:rPr lang="en-US" sz="1400" dirty="0" smtClean="0"/>
+              <a:t> </a:t>
+            </a:r>
+            <a:r>
+              <a:rPr lang="en-US" sz="1400" dirty="0" err="1" smtClean="0"/>
+              <a:t>quả</a:t>
+            </a:r>
+            <a:endParaRPr lang="vi-VN" sz="1400" dirty="0" smtClean="0"/>
+          </a:p>
+          <a:p>
+            <a:endParaRPr lang="en-US" sz="1400" dirty="0"/>
+          </a:p>
+        </p:txBody>
+      </p:sp>
+    </p:spTree>
   </p:cSld>
   <p:clrMapOvr>
     <a:masterClrMapping/>
@@ -3753,10 +5202,10 @@
           <p:cNvPr id="9" name="Down Arrow 7">
             <a:extLst>
               <a:ext uri="{FF2B5EF4-FFF2-40B4-BE49-F238E27FC236}">
-                <a16:creationId xmlns:a16="http://schemas.microsoft.com/office/drawing/2014/main" id="{D4771268-CB57-404A-9271-370EB28F6090}"/>
+                <a16:creationId xmlns:a16="http://schemas.microsoft.com/office/drawing/2014/main" xmlns="" id="{D4771268-CB57-404A-9271-370EB28F6090}"/>
               </a:ext>
               <a:ext uri="{C183D7F6-B498-43B3-948B-1728B52AA6E4}">
-                <adec:decorative xmlns:adec="http://schemas.microsoft.com/office/drawing/2017/decorative" val="1"/>
+                <adec:decorative xmlns:adec="http://schemas.microsoft.com/office/drawing/2017/decorative" xmlns="" val="1"/>
               </a:ext>
             </a:extLst>
           </p:cNvPr>
@@ -3766,7 +5215,7 @@
           <p:nvPr>
             <p:extLst>
               <p:ext uri="{386F3935-93C4-4BCD-93E2-E3B085C9AB24}">
-                <p16:designElem xmlns:p16="http://schemas.microsoft.com/office/powerpoint/2015/main" val="1"/>
+                <p16:designElem xmlns:p16="http://schemas.microsoft.com/office/powerpoint/2015/main" xmlns="" val="1"/>
               </p:ext>
             </p:extLst>
           </p:nvPr>
@@ -3819,7 +5268,7 @@
           <p:cNvPr id="2" name="Tiêu đề 1">
             <a:extLst>
               <a:ext uri="{FF2B5EF4-FFF2-40B4-BE49-F238E27FC236}">
-                <a16:creationId xmlns:a16="http://schemas.microsoft.com/office/drawing/2014/main" id="{E6E48F2B-5D5D-4789-BFD6-F3EC2C7F2D35}"/>
+                <a16:creationId xmlns:a16="http://schemas.microsoft.com/office/drawing/2014/main" xmlns="" id="{E6E48F2B-5D5D-4789-BFD6-F3EC2C7F2D35}"/>
               </a:ext>
             </a:extLst>
           </p:cNvPr>
@@ -3863,7 +5312,7 @@
           <p:cNvPr id="4" name="Bảng 4">
             <a:extLst>
               <a:ext uri="{FF2B5EF4-FFF2-40B4-BE49-F238E27FC236}">
-                <a16:creationId xmlns:a16="http://schemas.microsoft.com/office/drawing/2014/main" id="{49BDE1FA-F868-4F99-A284-487FC2A3824F}"/>
+                <a16:creationId xmlns:a16="http://schemas.microsoft.com/office/drawing/2014/main" xmlns="" id="{49BDE1FA-F868-4F99-A284-487FC2A3824F}"/>
               </a:ext>
             </a:extLst>
           </p:cNvPr>
@@ -3874,7 +5323,7 @@
             <p:ph idx="1"/>
             <p:extLst>
               <p:ext uri="{D42A27DB-BD31-4B8C-83A1-F6EECF244321}">
-                <p14:modId xmlns:p14="http://schemas.microsoft.com/office/powerpoint/2010/main" val="1332720883"/>
+                <p14:modId xmlns:p14="http://schemas.microsoft.com/office/powerpoint/2010/main" xmlns="" val="1332720883"/>
               </p:ext>
             </p:extLst>
           </p:nvPr>
@@ -3894,14 +5343,14 @@
                 <a:gridCol w="3625215">
                   <a:extLst>
                     <a:ext uri="{9D8B030D-6E8A-4147-A177-3AD203B41FA5}">
-                      <a16:colId xmlns:a16="http://schemas.microsoft.com/office/drawing/2014/main" val="2959563245"/>
+                      <a16:colId xmlns:a16="http://schemas.microsoft.com/office/drawing/2014/main" xmlns="" val="2959563245"/>
                     </a:ext>
                   </a:extLst>
                 </a:gridCol>
                 <a:gridCol w="2336483">
                   <a:extLst>
                     <a:ext uri="{9D8B030D-6E8A-4147-A177-3AD203B41FA5}">
-                      <a16:colId xmlns:a16="http://schemas.microsoft.com/office/drawing/2014/main" val="1703293582"/>
+                      <a16:colId xmlns:a16="http://schemas.microsoft.com/office/drawing/2014/main" xmlns="" val="1703293582"/>
                     </a:ext>
                   </a:extLst>
                 </a:gridCol>
@@ -4003,7 +5452,7 @@
                 </a:tc>
                 <a:extLst>
                   <a:ext uri="{0D108BD9-81ED-4DB2-BD59-A6C34878D82A}">
-                    <a16:rowId xmlns:a16="http://schemas.microsoft.com/office/drawing/2014/main" val="839569179"/>
+                    <a16:rowId xmlns:a16="http://schemas.microsoft.com/office/drawing/2014/main" xmlns="" val="839569179"/>
                   </a:ext>
                 </a:extLst>
               </a:tr>
@@ -4124,7 +5573,7 @@
                 </a:tc>
                 <a:extLst>
                   <a:ext uri="{0D108BD9-81ED-4DB2-BD59-A6C34878D82A}">
-                    <a16:rowId xmlns:a16="http://schemas.microsoft.com/office/drawing/2014/main" val="921884423"/>
+                    <a16:rowId xmlns:a16="http://schemas.microsoft.com/office/drawing/2014/main" xmlns="" val="921884423"/>
                   </a:ext>
                 </a:extLst>
               </a:tr>
@@ -4239,7 +5688,7 @@
                 </a:tc>
                 <a:extLst>
                   <a:ext uri="{0D108BD9-81ED-4DB2-BD59-A6C34878D82A}">
-                    <a16:rowId xmlns:a16="http://schemas.microsoft.com/office/drawing/2014/main" val="4283074523"/>
+                    <a16:rowId xmlns:a16="http://schemas.microsoft.com/office/drawing/2014/main" xmlns="" val="4283074523"/>
                   </a:ext>
                 </a:extLst>
               </a:tr>
@@ -4250,7 +5699,7 @@
     </p:spTree>
     <p:extLst>
       <p:ext uri="{BB962C8B-B14F-4D97-AF65-F5344CB8AC3E}">
-        <p14:creationId xmlns:p14="http://schemas.microsoft.com/office/powerpoint/2010/main" val="2084297630"/>
+        <p14:creationId xmlns:p14="http://schemas.microsoft.com/office/powerpoint/2010/main" xmlns="" val="2084297630"/>
       </p:ext>
     </p:extLst>
   </p:cSld>
@@ -4290,10 +5739,10 @@
           <p:cNvPr id="18" name="Rectangle 7">
             <a:extLst>
               <a:ext uri="{FF2B5EF4-FFF2-40B4-BE49-F238E27FC236}">
-                <a16:creationId xmlns:a16="http://schemas.microsoft.com/office/drawing/2014/main" id="{907EF6B7-1338-4443-8C46-6A318D952DFD}"/>
+                <a16:creationId xmlns:a16="http://schemas.microsoft.com/office/drawing/2014/main" xmlns="" id="{907EF6B7-1338-4443-8C46-6A318D952DFD}"/>
               </a:ext>
               <a:ext uri="{C183D7F6-B498-43B3-948B-1728B52AA6E4}">
-                <adec:decorative xmlns:adec="http://schemas.microsoft.com/office/drawing/2017/decorative" val="1"/>
+                <adec:decorative xmlns:adec="http://schemas.microsoft.com/office/drawing/2017/decorative" xmlns="" val="1"/>
               </a:ext>
             </a:extLst>
           </p:cNvPr>
@@ -4303,7 +5752,7 @@
           <p:nvPr>
             <p:extLst>
               <p:ext uri="{386F3935-93C4-4BCD-93E2-E3B085C9AB24}">
-                <p16:designElem xmlns:p16="http://schemas.microsoft.com/office/powerpoint/2015/main" val="1"/>
+                <p16:designElem xmlns:p16="http://schemas.microsoft.com/office/powerpoint/2015/main" xmlns="" val="1"/>
               </p:ext>
             </p:extLst>
           </p:nvPr>
@@ -4350,10 +5799,10 @@
           <p:cNvPr id="19" name="Freeform: Shape 9">
             <a:extLst>
               <a:ext uri="{FF2B5EF4-FFF2-40B4-BE49-F238E27FC236}">
-                <a16:creationId xmlns:a16="http://schemas.microsoft.com/office/drawing/2014/main" id="{DAAE4CDD-124C-4DCF-9584-B6033B545DD5}"/>
+                <a16:creationId xmlns:a16="http://schemas.microsoft.com/office/drawing/2014/main" xmlns="" id="{DAAE4CDD-124C-4DCF-9584-B6033B545DD5}"/>
               </a:ext>
               <a:ext uri="{C183D7F6-B498-43B3-948B-1728B52AA6E4}">
-                <adec:decorative xmlns:adec="http://schemas.microsoft.com/office/drawing/2017/decorative" val="1"/>
+                <adec:decorative xmlns:adec="http://schemas.microsoft.com/office/drawing/2017/decorative" xmlns="" val="1"/>
               </a:ext>
             </a:extLst>
           </p:cNvPr>
@@ -4363,7 +5812,7 @@
           <p:nvPr>
             <p:extLst>
               <p:ext uri="{386F3935-93C4-4BCD-93E2-E3B085C9AB24}">
-                <p16:designElem xmlns:p16="http://schemas.microsoft.com/office/powerpoint/2015/main" val="1"/>
+                <p16:designElem xmlns:p16="http://schemas.microsoft.com/office/powerpoint/2015/main" xmlns="" val="1"/>
               </p:ext>
             </p:extLst>
           </p:nvPr>
@@ -4484,7 +5933,7 @@
           <p:cNvPr id="2" name="Tiêu đề 1">
             <a:extLst>
               <a:ext uri="{FF2B5EF4-FFF2-40B4-BE49-F238E27FC236}">
-                <a16:creationId xmlns:a16="http://schemas.microsoft.com/office/drawing/2014/main" id="{DD3A65C9-D4F3-4270-AE8F-A115548807E4}"/>
+                <a16:creationId xmlns:a16="http://schemas.microsoft.com/office/drawing/2014/main" xmlns="" id="{DD3A65C9-D4F3-4270-AE8F-A115548807E4}"/>
               </a:ext>
             </a:extLst>
           </p:cNvPr>
@@ -4528,10 +5977,10 @@
           <p:cNvPr id="20" name="Arc 11">
             <a:extLst>
               <a:ext uri="{FF2B5EF4-FFF2-40B4-BE49-F238E27FC236}">
-                <a16:creationId xmlns:a16="http://schemas.microsoft.com/office/drawing/2014/main" id="{081E4A58-353D-44AE-B2FC-2A74E2E400F7}"/>
+                <a16:creationId xmlns:a16="http://schemas.microsoft.com/office/drawing/2014/main" xmlns="" id="{081E4A58-353D-44AE-B2FC-2A74E2E400F7}"/>
               </a:ext>
               <a:ext uri="{C183D7F6-B498-43B3-948B-1728B52AA6E4}">
-                <adec:decorative xmlns:adec="http://schemas.microsoft.com/office/drawing/2017/decorative" val="1"/>
+                <adec:decorative xmlns:adec="http://schemas.microsoft.com/office/drawing/2017/decorative" xmlns="" val="1"/>
               </a:ext>
             </a:extLst>
           </p:cNvPr>
@@ -4541,7 +5990,7 @@
           <p:nvPr>
             <p:extLst>
               <p:ext uri="{386F3935-93C4-4BCD-93E2-E3B085C9AB24}">
-                <p16:designElem xmlns:p16="http://schemas.microsoft.com/office/powerpoint/2015/main" val="1"/>
+                <p16:designElem xmlns:p16="http://schemas.microsoft.com/office/powerpoint/2015/main" xmlns="" val="1"/>
               </p:ext>
             </p:extLst>
           </p:nvPr>
@@ -4589,7 +6038,7 @@
           <p:cNvPr id="3" name="Chỗ dành sẵn cho Nội dung 2">
             <a:extLst>
               <a:ext uri="{FF2B5EF4-FFF2-40B4-BE49-F238E27FC236}">
-                <a16:creationId xmlns:a16="http://schemas.microsoft.com/office/drawing/2014/main" id="{129464AF-CE62-463A-9F64-DB576BC34595}"/>
+                <a16:creationId xmlns:a16="http://schemas.microsoft.com/office/drawing/2014/main" xmlns="" id="{129464AF-CE62-463A-9F64-DB576BC34595}"/>
               </a:ext>
             </a:extLst>
           </p:cNvPr>
@@ -4641,7 +6090,7 @@
     </p:spTree>
     <p:extLst>
       <p:ext uri="{BB962C8B-B14F-4D97-AF65-F5344CB8AC3E}">
-        <p14:creationId xmlns:p14="http://schemas.microsoft.com/office/powerpoint/2010/main" val="2491197973"/>
+        <p14:creationId xmlns:p14="http://schemas.microsoft.com/office/powerpoint/2010/main" xmlns="" val="2491197973"/>
       </p:ext>
     </p:extLst>
   </p:cSld>
@@ -4673,7 +6122,7 @@
           <p:cNvPr id="2" name="Tiêu đề 1">
             <a:extLst>
               <a:ext uri="{FF2B5EF4-FFF2-40B4-BE49-F238E27FC236}">
-                <a16:creationId xmlns:a16="http://schemas.microsoft.com/office/drawing/2014/main" id="{CEB56C9E-2906-488B-AFC6-1F12E758F868}"/>
+                <a16:creationId xmlns:a16="http://schemas.microsoft.com/office/drawing/2014/main" xmlns="" id="{CEB56C9E-2906-488B-AFC6-1F12E758F868}"/>
               </a:ext>
             </a:extLst>
           </p:cNvPr>
@@ -4722,7 +6171,7 @@
           <p:cNvPr id="3" name="Chỗ dành sẵn cho Văn bản 2">
             <a:extLst>
               <a:ext uri="{FF2B5EF4-FFF2-40B4-BE49-F238E27FC236}">
-                <a16:creationId xmlns:a16="http://schemas.microsoft.com/office/drawing/2014/main" id="{C58BAA4B-5DE0-4BB4-86D6-E733AC0C6924}"/>
+                <a16:creationId xmlns:a16="http://schemas.microsoft.com/office/drawing/2014/main" xmlns="" id="{C58BAA4B-5DE0-4BB4-86D6-E733AC0C6924}"/>
               </a:ext>
             </a:extLst>
           </p:cNvPr>
@@ -4745,7 +6194,7 @@
     </p:spTree>
     <p:extLst>
       <p:ext uri="{BB962C8B-B14F-4D97-AF65-F5344CB8AC3E}">
-        <p14:creationId xmlns:p14="http://schemas.microsoft.com/office/powerpoint/2010/main" val="4272902645"/>
+        <p14:creationId xmlns:p14="http://schemas.microsoft.com/office/powerpoint/2010/main" xmlns="" val="4272902645"/>
       </p:ext>
     </p:extLst>
   </p:cSld>
@@ -4777,7 +6226,7 @@
           <p:cNvPr id="3" name="Chỗ dành sẵn cho Nội dung 2">
             <a:extLst>
               <a:ext uri="{FF2B5EF4-FFF2-40B4-BE49-F238E27FC236}">
-                <a16:creationId xmlns:a16="http://schemas.microsoft.com/office/drawing/2014/main" id="{26E73044-D9F6-41BB-B04E-4D548828DFE3}"/>
+                <a16:creationId xmlns:a16="http://schemas.microsoft.com/office/drawing/2014/main" xmlns="" id="{26E73044-D9F6-41BB-B04E-4D548828DFE3}"/>
               </a:ext>
             </a:extLst>
           </p:cNvPr>
@@ -5496,7 +6945,7 @@
     </p:spTree>
     <p:extLst>
       <p:ext uri="{BB962C8B-B14F-4D97-AF65-F5344CB8AC3E}">
-        <p14:creationId xmlns:p14="http://schemas.microsoft.com/office/powerpoint/2010/main" val="3718934010"/>
+        <p14:creationId xmlns:p14="http://schemas.microsoft.com/office/powerpoint/2010/main" xmlns="" val="3718934010"/>
       </p:ext>
     </p:extLst>
   </p:cSld>
@@ -5528,7 +6977,7 @@
           <p:cNvPr id="2" name="Tiêu đề 1">
             <a:extLst>
               <a:ext uri="{FF2B5EF4-FFF2-40B4-BE49-F238E27FC236}">
-                <a16:creationId xmlns:a16="http://schemas.microsoft.com/office/drawing/2014/main" id="{2B93DDF9-D197-4353-A213-22E9AA219894}"/>
+                <a16:creationId xmlns:a16="http://schemas.microsoft.com/office/drawing/2014/main" xmlns="" id="{2B93DDF9-D197-4353-A213-22E9AA219894}"/>
               </a:ext>
             </a:extLst>
           </p:cNvPr>
@@ -5577,7 +7026,7 @@
           <p:cNvPr id="4" name="Chỗ dành sẵn cho Nội dung 3">
             <a:extLst>
               <a:ext uri="{FF2B5EF4-FFF2-40B4-BE49-F238E27FC236}">
-                <a16:creationId xmlns:a16="http://schemas.microsoft.com/office/drawing/2014/main" id="{475AF59A-1B3E-4C03-942A-FF0DFA7400CB}"/>
+                <a16:creationId xmlns:a16="http://schemas.microsoft.com/office/drawing/2014/main" xmlns="" id="{475AF59A-1B3E-4C03-942A-FF0DFA7400CB}"/>
               </a:ext>
             </a:extLst>
           </p:cNvPr>
@@ -5602,7 +7051,7 @@
           <p:cNvPr id="5" name="Chỗ dành sẵn cho Văn bản 4">
             <a:extLst>
               <a:ext uri="{FF2B5EF4-FFF2-40B4-BE49-F238E27FC236}">
-                <a16:creationId xmlns:a16="http://schemas.microsoft.com/office/drawing/2014/main" id="{964937B2-4CBE-4171-9AC4-76F04E2B8DB7}"/>
+                <a16:creationId xmlns:a16="http://schemas.microsoft.com/office/drawing/2014/main" xmlns="" id="{964937B2-4CBE-4171-9AC4-76F04E2B8DB7}"/>
               </a:ext>
             </a:extLst>
           </p:cNvPr>
@@ -5938,7 +7387,7 @@
     </p:spTree>
     <p:extLst>
       <p:ext uri="{BB962C8B-B14F-4D97-AF65-F5344CB8AC3E}">
-        <p14:creationId xmlns:p14="http://schemas.microsoft.com/office/powerpoint/2010/main" val="403476471"/>
+        <p14:creationId xmlns:p14="http://schemas.microsoft.com/office/powerpoint/2010/main" xmlns="" val="403476471"/>
       </p:ext>
     </p:extLst>
   </p:cSld>
@@ -5970,7 +7419,7 @@
           <p:cNvPr id="2" name="Tiêu đề 1">
             <a:extLst>
               <a:ext uri="{FF2B5EF4-FFF2-40B4-BE49-F238E27FC236}">
-                <a16:creationId xmlns:a16="http://schemas.microsoft.com/office/drawing/2014/main" id="{2B93DDF9-D197-4353-A213-22E9AA219894}"/>
+                <a16:creationId xmlns:a16="http://schemas.microsoft.com/office/drawing/2014/main" xmlns="" id="{2B93DDF9-D197-4353-A213-22E9AA219894}"/>
               </a:ext>
             </a:extLst>
           </p:cNvPr>
@@ -6043,7 +7492,7 @@
           <p:cNvPr id="4" name="Chỗ dành sẵn cho Nội dung 3">
             <a:extLst>
               <a:ext uri="{FF2B5EF4-FFF2-40B4-BE49-F238E27FC236}">
-                <a16:creationId xmlns:a16="http://schemas.microsoft.com/office/drawing/2014/main" id="{475AF59A-1B3E-4C03-942A-FF0DFA7400CB}"/>
+                <a16:creationId xmlns:a16="http://schemas.microsoft.com/office/drawing/2014/main" xmlns="" id="{475AF59A-1B3E-4C03-942A-FF0DFA7400CB}"/>
               </a:ext>
             </a:extLst>
           </p:cNvPr>
@@ -6068,7 +7517,7 @@
           <p:cNvPr id="5" name="Chỗ dành sẵn cho Văn bản 4">
             <a:extLst>
               <a:ext uri="{FF2B5EF4-FFF2-40B4-BE49-F238E27FC236}">
-                <a16:creationId xmlns:a16="http://schemas.microsoft.com/office/drawing/2014/main" id="{964937B2-4CBE-4171-9AC4-76F04E2B8DB7}"/>
+                <a16:creationId xmlns:a16="http://schemas.microsoft.com/office/drawing/2014/main" xmlns="" id="{964937B2-4CBE-4171-9AC4-76F04E2B8DB7}"/>
               </a:ext>
             </a:extLst>
           </p:cNvPr>
@@ -6276,9 +7725,162 @@
               <a:rPr lang="en-US" dirty="0" err="1"/>
               <a:t>nữa</a:t>
             </a:r>
-            <a:endParaRPr lang="en-US"/>
-          </a:p>
-          <a:p>
+            <a:endParaRPr lang="en-US" dirty="0"/>
+          </a:p>
+          <a:p>
+            <a:r>
+              <a:rPr lang="en-US" dirty="0" err="1" smtClean="0"/>
+              <a:t>Tìm</a:t>
+            </a:r>
+            <a:r>
+              <a:rPr lang="en-US" dirty="0" smtClean="0"/>
+              <a:t> </a:t>
+            </a:r>
+            <a:r>
+              <a:rPr lang="en-US" dirty="0" err="1" smtClean="0"/>
+              <a:t>tất</a:t>
+            </a:r>
+            <a:r>
+              <a:rPr lang="en-US" dirty="0" smtClean="0"/>
+              <a:t> </a:t>
+            </a:r>
+            <a:r>
+              <a:rPr lang="en-US" dirty="0" err="1" smtClean="0"/>
+              <a:t>cả</a:t>
+            </a:r>
+            <a:r>
+              <a:rPr lang="en-US" dirty="0" smtClean="0"/>
+              <a:t> </a:t>
+            </a:r>
+            <a:r>
+              <a:rPr lang="en-US" dirty="0" err="1" smtClean="0"/>
+              <a:t>các</a:t>
+            </a:r>
+            <a:r>
+              <a:rPr lang="en-US" dirty="0" smtClean="0"/>
+              <a:t> tag </a:t>
+            </a:r>
+            <a:r>
+              <a:rPr lang="en-US" dirty="0" err="1" smtClean="0"/>
+              <a:t>thông</a:t>
+            </a:r>
+            <a:r>
+              <a:rPr lang="en-US" dirty="0" smtClean="0"/>
+              <a:t> tin  </a:t>
+            </a:r>
+            <a:r>
+              <a:rPr lang="en-US" dirty="0" err="1" smtClean="0"/>
+              <a:t>về</a:t>
+            </a:r>
+            <a:r>
+              <a:rPr lang="en-US" dirty="0" smtClean="0"/>
+              <a:t> </a:t>
+            </a:r>
+            <a:r>
+              <a:rPr lang="en-US" dirty="0" err="1" smtClean="0"/>
+              <a:t>các</a:t>
+            </a:r>
+            <a:r>
+              <a:rPr lang="en-US" dirty="0" smtClean="0"/>
+              <a:t> project</a:t>
+            </a:r>
+          </a:p>
+          <a:p>
+            <a:r>
+              <a:rPr lang="en-US" dirty="0" err="1" smtClean="0"/>
+              <a:t>Ghi</a:t>
+            </a:r>
+            <a:r>
+              <a:rPr lang="en-US" dirty="0" smtClean="0"/>
+              <a:t> </a:t>
+            </a:r>
+            <a:r>
+              <a:rPr lang="en-US" dirty="0" err="1" smtClean="0"/>
+              <a:t>dữ</a:t>
+            </a:r>
+            <a:r>
+              <a:rPr lang="en-US" dirty="0" smtClean="0"/>
+              <a:t> </a:t>
+            </a:r>
+            <a:r>
+              <a:rPr lang="en-US" dirty="0" err="1" smtClean="0"/>
+              <a:t>liệu</a:t>
+            </a:r>
+            <a:r>
+              <a:rPr lang="en-US" dirty="0" smtClean="0"/>
+              <a:t> </a:t>
+            </a:r>
+            <a:r>
+              <a:rPr lang="en-US" dirty="0" err="1" smtClean="0"/>
+              <a:t>thu</a:t>
+            </a:r>
+            <a:r>
+              <a:rPr lang="en-US" dirty="0" smtClean="0"/>
+              <a:t> </a:t>
+            </a:r>
+            <a:r>
+              <a:rPr lang="en-US" dirty="0" err="1" smtClean="0"/>
+              <a:t>được</a:t>
+            </a:r>
+            <a:r>
+              <a:rPr lang="en-US" dirty="0" smtClean="0"/>
+              <a:t> </a:t>
+            </a:r>
+            <a:r>
+              <a:rPr lang="en-US" dirty="0" err="1" smtClean="0"/>
+              <a:t>vào</a:t>
+            </a:r>
+            <a:r>
+              <a:rPr lang="en-US" dirty="0" smtClean="0"/>
+              <a:t> file</a:t>
+            </a:r>
+            <a:endParaRPr lang="en-US" dirty="0" smtClean="0"/>
+          </a:p>
+          <a:p>
+            <a:r>
+              <a:rPr lang="en-US" dirty="0" err="1" smtClean="0"/>
+              <a:t>Lưu</a:t>
+            </a:r>
+            <a:r>
+              <a:rPr lang="en-US" dirty="0" smtClean="0"/>
+              <a:t> </a:t>
+            </a:r>
+            <a:r>
+              <a:rPr lang="en-US" dirty="0" err="1" smtClean="0"/>
+              <a:t>dữ</a:t>
+            </a:r>
+            <a:r>
+              <a:rPr lang="en-US" dirty="0" smtClean="0"/>
+              <a:t> </a:t>
+            </a:r>
+            <a:r>
+              <a:rPr lang="en-US" dirty="0" err="1" smtClean="0"/>
+              <a:t>liệu</a:t>
+            </a:r>
+            <a:r>
+              <a:rPr lang="en-US" dirty="0" smtClean="0"/>
+              <a:t> </a:t>
+            </a:r>
+            <a:r>
+              <a:rPr lang="en-US" dirty="0" err="1" smtClean="0"/>
+              <a:t>thu</a:t>
+            </a:r>
+            <a:r>
+              <a:rPr lang="en-US" dirty="0" smtClean="0"/>
+              <a:t> </a:t>
+            </a:r>
+            <a:r>
+              <a:rPr lang="en-US" dirty="0" err="1" smtClean="0"/>
+              <a:t>thập</a:t>
+            </a:r>
+            <a:r>
+              <a:rPr lang="en-US" dirty="0" smtClean="0"/>
+              <a:t> </a:t>
+            </a:r>
+            <a:r>
+              <a:rPr lang="en-US" dirty="0" err="1" smtClean="0"/>
+              <a:t>được</a:t>
+            </a:r>
             <a:endParaRPr lang="en-US" dirty="0"/>
           </a:p>
         </p:txBody>
@@ -6286,9 +7888,1206 @@
     </p:spTree>
     <p:extLst>
       <p:ext uri="{BB962C8B-B14F-4D97-AF65-F5344CB8AC3E}">
-        <p14:creationId xmlns:p14="http://schemas.microsoft.com/office/powerpoint/2010/main" val="498227706"/>
+        <p14:creationId xmlns:p14="http://schemas.microsoft.com/office/powerpoint/2010/main" xmlns="" val="498227706"/>
       </p:ext>
     </p:extLst>
+  </p:cSld>
+  <p:clrMapOvr>
+    <a:masterClrMapping/>
+  </p:clrMapOvr>
+</p:sld>
+</file>
+
+<file path=ppt/slides/slide8.xml><?xml version="1.0" encoding="utf-8"?>
+<p:sld xmlns:a="http://schemas.openxmlformats.org/drawingml/2006/main" xmlns:r="http://schemas.openxmlformats.org/officeDocument/2006/relationships" xmlns:p="http://schemas.openxmlformats.org/presentationml/2006/main">
+  <p:cSld>
+    <p:spTree>
+      <p:nvGrpSpPr>
+        <p:cNvPr id="1" name=""/>
+        <p:cNvGrpSpPr/>
+        <p:nvPr/>
+      </p:nvGrpSpPr>
+      <p:grpSpPr>
+        <a:xfrm>
+          <a:off x="0" y="0"/>
+          <a:ext cx="0" cy="0"/>
+          <a:chOff x="0" y="0"/>
+          <a:chExt cx="0" cy="0"/>
+        </a:xfrm>
+      </p:grpSpPr>
+      <p:sp>
+        <p:nvSpPr>
+          <p:cNvPr id="2" name="TextBox 1"/>
+          <p:cNvSpPr txBox="1"/>
+          <p:nvPr/>
+        </p:nvSpPr>
+        <p:spPr>
+          <a:xfrm>
+            <a:off x="378823" y="548640"/>
+            <a:ext cx="6622869" cy="3293209"/>
+          </a:xfrm>
+          <a:prstGeom prst="rect">
+            <a:avLst/>
+          </a:prstGeom>
+          <a:noFill/>
+        </p:spPr>
+        <p:txBody>
+          <a:bodyPr wrap="square" rtlCol="0">
+            <a:spAutoFit/>
+          </a:bodyPr>
+          <a:lstStyle/>
+          <a:p>
+            <a:r>
+              <a:rPr lang="en-US" sz="2800" b="1" dirty="0" err="1" smtClean="0"/>
+              <a:t>Khám</a:t>
+            </a:r>
+            <a:r>
+              <a:rPr lang="en-US" sz="2800" b="1" dirty="0" smtClean="0"/>
+              <a:t> </a:t>
+            </a:r>
+            <a:r>
+              <a:rPr lang="en-US" sz="2800" b="1" dirty="0" err="1" smtClean="0"/>
+              <a:t>phá</a:t>
+            </a:r>
+            <a:r>
+              <a:rPr lang="en-US" sz="2800" b="1" dirty="0" smtClean="0"/>
+              <a:t> </a:t>
+            </a:r>
+            <a:r>
+              <a:rPr lang="en-US" sz="2800" b="1" dirty="0" err="1" smtClean="0"/>
+              <a:t>dữ</a:t>
+            </a:r>
+            <a:r>
+              <a:rPr lang="en-US" sz="2800" b="1" dirty="0" smtClean="0"/>
+              <a:t> </a:t>
+            </a:r>
+            <a:r>
+              <a:rPr lang="en-US" sz="2800" b="1" dirty="0" err="1" smtClean="0"/>
+              <a:t>liệu</a:t>
+            </a:r>
+            <a:endParaRPr lang="en-US" sz="2800" b="1" dirty="0" smtClean="0"/>
+          </a:p>
+          <a:p>
+            <a:r>
+              <a:rPr lang="en-US" dirty="0" err="1" smtClean="0"/>
+              <a:t>Đọc</a:t>
+            </a:r>
+            <a:r>
+              <a:rPr lang="en-US" dirty="0" smtClean="0"/>
+              <a:t> </a:t>
+            </a:r>
+            <a:r>
+              <a:rPr lang="en-US" dirty="0" err="1" smtClean="0"/>
+              <a:t>tập</a:t>
+            </a:r>
+            <a:r>
+              <a:rPr lang="en-US" dirty="0" smtClean="0"/>
+              <a:t> </a:t>
+            </a:r>
+            <a:r>
+              <a:rPr lang="en-US" dirty="0" err="1" smtClean="0"/>
+              <a:t>dữ</a:t>
+            </a:r>
+            <a:r>
+              <a:rPr lang="en-US" dirty="0" smtClean="0"/>
+              <a:t> </a:t>
+            </a:r>
+            <a:r>
+              <a:rPr lang="en-US" dirty="0" err="1" smtClean="0"/>
+              <a:t>liệu</a:t>
+            </a:r>
+            <a:r>
+              <a:rPr lang="en-US" dirty="0" smtClean="0"/>
+              <a:t> project_raws.tsv</a:t>
+            </a:r>
+          </a:p>
+          <a:p>
+            <a:r>
+              <a:rPr lang="en-US" dirty="0" err="1" smtClean="0"/>
+              <a:t>Dữ</a:t>
+            </a:r>
+            <a:r>
+              <a:rPr lang="en-US" dirty="0" smtClean="0"/>
+              <a:t> </a:t>
+            </a:r>
+            <a:r>
+              <a:rPr lang="en-US" dirty="0" err="1" smtClean="0"/>
+              <a:t>liệu</a:t>
+            </a:r>
+            <a:r>
+              <a:rPr lang="en-US" dirty="0" smtClean="0"/>
+              <a:t> </a:t>
+            </a:r>
+            <a:r>
+              <a:rPr lang="en-US" dirty="0" err="1" smtClean="0"/>
+              <a:t>có</a:t>
+            </a:r>
+            <a:r>
+              <a:rPr lang="en-US" dirty="0" smtClean="0"/>
+              <a:t> </a:t>
+            </a:r>
+            <a:r>
+              <a:rPr lang="en-US" dirty="0" err="1" smtClean="0"/>
+              <a:t>số</a:t>
+            </a:r>
+            <a:r>
+              <a:rPr lang="en-US" dirty="0" smtClean="0"/>
+              <a:t> </a:t>
+            </a:r>
+            <a:r>
+              <a:rPr lang="en-US" dirty="0" err="1" smtClean="0"/>
+              <a:t>dòng</a:t>
+            </a:r>
+            <a:r>
+              <a:rPr lang="en-US" dirty="0" smtClean="0"/>
+              <a:t> </a:t>
+            </a:r>
+            <a:r>
+              <a:rPr lang="en-US" dirty="0" err="1" smtClean="0"/>
+              <a:t>và</a:t>
+            </a:r>
+            <a:r>
+              <a:rPr lang="en-US" dirty="0" smtClean="0"/>
+              <a:t> </a:t>
+            </a:r>
+            <a:r>
+              <a:rPr lang="en-US" dirty="0" err="1" smtClean="0"/>
+              <a:t>số</a:t>
+            </a:r>
+            <a:r>
+              <a:rPr lang="en-US" dirty="0" smtClean="0"/>
+              <a:t> </a:t>
+            </a:r>
+            <a:r>
+              <a:rPr lang="en-US" dirty="0" err="1" smtClean="0"/>
+              <a:t>cột</a:t>
+            </a:r>
+            <a:r>
+              <a:rPr lang="en-US" dirty="0" smtClean="0"/>
+              <a:t>, </a:t>
+            </a:r>
+            <a:r>
+              <a:rPr lang="en-US" dirty="0" err="1" smtClean="0"/>
+              <a:t>dùng</a:t>
+            </a:r>
+            <a:r>
+              <a:rPr lang="en-US" dirty="0" smtClean="0"/>
+              <a:t> </a:t>
+            </a:r>
+            <a:r>
+              <a:rPr lang="en-US" dirty="0" err="1" smtClean="0"/>
+              <a:t>hàm</a:t>
+            </a:r>
+            <a:r>
+              <a:rPr lang="en-US" dirty="0" smtClean="0"/>
+              <a:t> shape</a:t>
+            </a:r>
+          </a:p>
+          <a:p>
+            <a:r>
+              <a:rPr lang="en-US" dirty="0" err="1" smtClean="0"/>
+              <a:t>Dữ</a:t>
+            </a:r>
+            <a:r>
+              <a:rPr lang="en-US" dirty="0" smtClean="0"/>
+              <a:t> </a:t>
+            </a:r>
+            <a:r>
+              <a:rPr lang="en-US" dirty="0" err="1" smtClean="0"/>
+              <a:t>liệu</a:t>
+            </a:r>
+            <a:r>
+              <a:rPr lang="en-US" dirty="0" smtClean="0"/>
+              <a:t> </a:t>
+            </a:r>
+            <a:r>
+              <a:rPr lang="en-US" dirty="0" err="1" smtClean="0"/>
+              <a:t>có</a:t>
+            </a:r>
+            <a:r>
+              <a:rPr lang="en-US" dirty="0" smtClean="0"/>
+              <a:t> </a:t>
+            </a:r>
+            <a:r>
+              <a:rPr lang="en-US" dirty="0" err="1" smtClean="0"/>
+              <a:t>các</a:t>
+            </a:r>
+            <a:r>
+              <a:rPr lang="en-US" dirty="0" smtClean="0"/>
+              <a:t> </a:t>
+            </a:r>
+            <a:r>
+              <a:rPr lang="en-US" dirty="0" err="1" smtClean="0"/>
+              <a:t>dòng</a:t>
+            </a:r>
+            <a:r>
+              <a:rPr lang="en-US" dirty="0" smtClean="0"/>
+              <a:t> hay </a:t>
+            </a:r>
+            <a:r>
+              <a:rPr lang="en-US" dirty="0" err="1" smtClean="0"/>
+              <a:t>cột</a:t>
+            </a:r>
+            <a:r>
+              <a:rPr lang="en-US" dirty="0" smtClean="0"/>
+              <a:t> </a:t>
+            </a:r>
+            <a:r>
+              <a:rPr lang="en-US" dirty="0" err="1" smtClean="0"/>
+              <a:t>bị</a:t>
+            </a:r>
+            <a:r>
+              <a:rPr lang="en-US" dirty="0" smtClean="0"/>
+              <a:t> </a:t>
+            </a:r>
+            <a:r>
+              <a:rPr lang="en-US" dirty="0" err="1" smtClean="0"/>
+              <a:t>lặp</a:t>
+            </a:r>
+            <a:r>
+              <a:rPr lang="en-US" dirty="0" smtClean="0"/>
+              <a:t>, </a:t>
+            </a:r>
+            <a:r>
+              <a:rPr lang="en-US" dirty="0" err="1" smtClean="0"/>
+              <a:t>dùng</a:t>
+            </a:r>
+            <a:r>
+              <a:rPr lang="en-US" dirty="0" smtClean="0"/>
+              <a:t> </a:t>
+            </a:r>
+            <a:r>
+              <a:rPr lang="en-US" dirty="0" err="1" smtClean="0"/>
+              <a:t>hàm</a:t>
+            </a:r>
+            <a:r>
+              <a:rPr lang="en-US" dirty="0" smtClean="0"/>
+              <a:t> duplicated</a:t>
+            </a:r>
+          </a:p>
+          <a:p>
+            <a:r>
+              <a:rPr lang="en-US" dirty="0" err="1" smtClean="0"/>
+              <a:t>Dữ</a:t>
+            </a:r>
+            <a:r>
+              <a:rPr lang="en-US" dirty="0" smtClean="0"/>
+              <a:t> </a:t>
+            </a:r>
+            <a:r>
+              <a:rPr lang="en-US" dirty="0" err="1" smtClean="0"/>
+              <a:t>liệu</a:t>
+            </a:r>
+            <a:r>
+              <a:rPr lang="en-US" dirty="0" smtClean="0"/>
+              <a:t> </a:t>
+            </a:r>
+            <a:r>
+              <a:rPr lang="en-US" dirty="0" err="1" smtClean="0"/>
+              <a:t>có</a:t>
+            </a:r>
+            <a:r>
+              <a:rPr lang="en-US" dirty="0" smtClean="0"/>
+              <a:t> </a:t>
+            </a:r>
+            <a:r>
+              <a:rPr lang="en-US" dirty="0" err="1" smtClean="0"/>
+              <a:t>các</a:t>
+            </a:r>
+            <a:r>
+              <a:rPr lang="en-US" dirty="0" smtClean="0"/>
+              <a:t> </a:t>
+            </a:r>
+            <a:r>
+              <a:rPr lang="en-US" dirty="0" err="1" smtClean="0"/>
+              <a:t>dòng</a:t>
+            </a:r>
+            <a:r>
+              <a:rPr lang="en-US" dirty="0" smtClean="0"/>
+              <a:t> </a:t>
+            </a:r>
+            <a:r>
+              <a:rPr lang="en-US" dirty="0" err="1" smtClean="0"/>
+              <a:t>bị</a:t>
+            </a:r>
+            <a:r>
+              <a:rPr lang="en-US" dirty="0" smtClean="0"/>
+              <a:t> </a:t>
+            </a:r>
+            <a:r>
+              <a:rPr lang="en-US" dirty="0" err="1" smtClean="0"/>
+              <a:t>thiếu</a:t>
+            </a:r>
+            <a:r>
+              <a:rPr lang="en-US" dirty="0" smtClean="0"/>
+              <a:t>, </a:t>
+            </a:r>
+            <a:r>
+              <a:rPr lang="en-US" dirty="0" err="1" smtClean="0"/>
+              <a:t>dùng</a:t>
+            </a:r>
+            <a:r>
+              <a:rPr lang="en-US" dirty="0" smtClean="0"/>
+              <a:t> </a:t>
+            </a:r>
+            <a:r>
+              <a:rPr lang="en-US" dirty="0" err="1" smtClean="0"/>
+              <a:t>hàm</a:t>
+            </a:r>
+            <a:r>
+              <a:rPr lang="en-US" dirty="0" smtClean="0"/>
+              <a:t> </a:t>
+            </a:r>
+            <a:r>
+              <a:rPr lang="en-US" dirty="0" err="1" smtClean="0"/>
+              <a:t>isna</a:t>
+            </a:r>
+            <a:endParaRPr lang="en-US" dirty="0" smtClean="0"/>
+          </a:p>
+          <a:p>
+            <a:r>
+              <a:rPr lang="en-US" dirty="0" err="1" smtClean="0"/>
+              <a:t>Mô</a:t>
+            </a:r>
+            <a:r>
+              <a:rPr lang="en-US" dirty="0" smtClean="0"/>
+              <a:t> </a:t>
+            </a:r>
+            <a:r>
+              <a:rPr lang="en-US" dirty="0" err="1" smtClean="0"/>
+              <a:t>tả</a:t>
+            </a:r>
+            <a:r>
+              <a:rPr lang="en-US" dirty="0" smtClean="0"/>
+              <a:t> </a:t>
+            </a:r>
+            <a:r>
+              <a:rPr lang="en-US" dirty="0" err="1" smtClean="0"/>
+              <a:t>dữ</a:t>
+            </a:r>
+            <a:r>
+              <a:rPr lang="en-US" dirty="0" smtClean="0"/>
+              <a:t> </a:t>
+            </a:r>
+            <a:r>
+              <a:rPr lang="en-US" dirty="0" err="1" smtClean="0"/>
+              <a:t>liệu</a:t>
+            </a:r>
+            <a:r>
+              <a:rPr lang="en-US" dirty="0" smtClean="0"/>
+              <a:t>, </a:t>
+            </a:r>
+            <a:r>
+              <a:rPr lang="en-US" dirty="0" err="1" smtClean="0"/>
+              <a:t>dùng</a:t>
+            </a:r>
+            <a:r>
+              <a:rPr lang="en-US" dirty="0" smtClean="0"/>
+              <a:t> </a:t>
+            </a:r>
+            <a:r>
+              <a:rPr lang="en-US" dirty="0" err="1" smtClean="0"/>
+              <a:t>hàm</a:t>
+            </a:r>
+            <a:r>
+              <a:rPr lang="en-US" dirty="0" smtClean="0"/>
+              <a:t> describe</a:t>
+            </a:r>
+          </a:p>
+          <a:p>
+            <a:r>
+              <a:rPr lang="en-US" dirty="0" err="1" smtClean="0"/>
+              <a:t>Kiểm</a:t>
+            </a:r>
+            <a:r>
+              <a:rPr lang="en-US" dirty="0" smtClean="0"/>
+              <a:t> </a:t>
+            </a:r>
+            <a:r>
+              <a:rPr lang="en-US" dirty="0" err="1" smtClean="0"/>
+              <a:t>tra</a:t>
+            </a:r>
+            <a:r>
+              <a:rPr lang="en-US" dirty="0" smtClean="0"/>
+              <a:t> </a:t>
+            </a:r>
+            <a:r>
+              <a:rPr lang="en-US" dirty="0" err="1" smtClean="0"/>
+              <a:t>kiểu</a:t>
+            </a:r>
+            <a:r>
+              <a:rPr lang="en-US" dirty="0" smtClean="0"/>
+              <a:t> </a:t>
+            </a:r>
+            <a:r>
+              <a:rPr lang="en-US" dirty="0" err="1" smtClean="0"/>
+              <a:t>dữ</a:t>
+            </a:r>
+            <a:r>
+              <a:rPr lang="en-US" dirty="0" smtClean="0"/>
+              <a:t> </a:t>
+            </a:r>
+            <a:r>
+              <a:rPr lang="en-US" dirty="0" err="1" smtClean="0"/>
+              <a:t>liệu</a:t>
+            </a:r>
+            <a:r>
+              <a:rPr lang="en-US" dirty="0" smtClean="0"/>
+              <a:t> </a:t>
+            </a:r>
+            <a:r>
+              <a:rPr lang="en-US" dirty="0" err="1" smtClean="0"/>
+              <a:t>của</a:t>
+            </a:r>
+            <a:r>
+              <a:rPr lang="en-US" dirty="0" smtClean="0"/>
+              <a:t> </a:t>
+            </a:r>
+            <a:r>
+              <a:rPr lang="en-US" dirty="0" err="1" smtClean="0"/>
+              <a:t>cột</a:t>
+            </a:r>
+            <a:r>
+              <a:rPr lang="en-US" dirty="0" smtClean="0"/>
+              <a:t>, </a:t>
+            </a:r>
+            <a:r>
+              <a:rPr lang="en-US" dirty="0" err="1" smtClean="0"/>
+              <a:t>dùng</a:t>
+            </a:r>
+            <a:r>
+              <a:rPr lang="en-US" dirty="0" smtClean="0"/>
+              <a:t> </a:t>
+            </a:r>
+            <a:r>
+              <a:rPr lang="en-US" dirty="0" err="1" smtClean="0"/>
+              <a:t>hàm</a:t>
+            </a:r>
+            <a:r>
+              <a:rPr lang="en-US" dirty="0" smtClean="0"/>
+              <a:t> </a:t>
+            </a:r>
+            <a:r>
+              <a:rPr lang="en-US" dirty="0" err="1" smtClean="0"/>
+              <a:t>dtypes</a:t>
+            </a:r>
+            <a:endParaRPr lang="en-US" dirty="0" smtClean="0"/>
+          </a:p>
+          <a:p>
+            <a:r>
+              <a:rPr lang="en-US" dirty="0" err="1" smtClean="0"/>
+              <a:t>Tỷ</a:t>
+            </a:r>
+            <a:r>
+              <a:rPr lang="en-US" dirty="0" smtClean="0"/>
+              <a:t> </a:t>
+            </a:r>
+            <a:r>
+              <a:rPr lang="en-US" dirty="0" err="1" smtClean="0"/>
+              <a:t>lệ</a:t>
+            </a:r>
+            <a:r>
+              <a:rPr lang="en-US" dirty="0" smtClean="0"/>
+              <a:t> </a:t>
+            </a:r>
+            <a:r>
+              <a:rPr lang="en-US" dirty="0" err="1" smtClean="0"/>
+              <a:t>các</a:t>
+            </a:r>
+            <a:r>
+              <a:rPr lang="en-US" dirty="0" smtClean="0"/>
+              <a:t> </a:t>
+            </a:r>
+            <a:r>
+              <a:rPr lang="en-US" dirty="0" err="1" smtClean="0"/>
+              <a:t>giá</a:t>
+            </a:r>
+            <a:r>
+              <a:rPr lang="en-US" dirty="0" smtClean="0"/>
+              <a:t> </a:t>
+            </a:r>
+            <a:r>
+              <a:rPr lang="en-US" dirty="0" err="1" smtClean="0"/>
+              <a:t>trị</a:t>
+            </a:r>
+            <a:r>
+              <a:rPr lang="en-US" dirty="0" smtClean="0"/>
+              <a:t> </a:t>
+            </a:r>
+            <a:r>
+              <a:rPr lang="en-US" dirty="0" err="1" smtClean="0"/>
+              <a:t>cột</a:t>
+            </a:r>
+            <a:r>
+              <a:rPr lang="en-US" dirty="0" smtClean="0"/>
+              <a:t>, </a:t>
+            </a:r>
+            <a:r>
+              <a:rPr lang="en-US" dirty="0" err="1" smtClean="0"/>
+              <a:t>dùng</a:t>
+            </a:r>
+            <a:r>
+              <a:rPr lang="en-US" dirty="0" smtClean="0"/>
+              <a:t> </a:t>
+            </a:r>
+            <a:r>
+              <a:rPr lang="en-US" dirty="0" err="1" smtClean="0"/>
+              <a:t>hàm</a:t>
+            </a:r>
+            <a:r>
+              <a:rPr lang="en-US" dirty="0" smtClean="0"/>
+              <a:t> </a:t>
+            </a:r>
+            <a:r>
+              <a:rPr lang="en-US" dirty="0" err="1" smtClean="0"/>
+              <a:t>values_count</a:t>
+            </a:r>
+            <a:r>
+              <a:rPr lang="en-US" dirty="0" smtClean="0"/>
+              <a:t>(normalize=True)</a:t>
+            </a:r>
+          </a:p>
+          <a:p>
+            <a:endParaRPr lang="en-US" dirty="0" smtClean="0"/>
+          </a:p>
+          <a:p>
+            <a:endParaRPr lang="en-US" dirty="0" smtClean="0"/>
+          </a:p>
+          <a:p>
+            <a:endParaRPr lang="en-US" dirty="0"/>
+          </a:p>
+        </p:txBody>
+      </p:sp>
+    </p:spTree>
+  </p:cSld>
+  <p:clrMapOvr>
+    <a:masterClrMapping/>
+  </p:clrMapOvr>
+</p:sld>
+</file>
+
+<file path=ppt/slides/slide9.xml><?xml version="1.0" encoding="utf-8"?>
+<p:sld xmlns:a="http://schemas.openxmlformats.org/drawingml/2006/main" xmlns:r="http://schemas.openxmlformats.org/officeDocument/2006/relationships" xmlns:p="http://schemas.openxmlformats.org/presentationml/2006/main">
+  <p:cSld>
+    <p:spTree>
+      <p:nvGrpSpPr>
+        <p:cNvPr id="1" name=""/>
+        <p:cNvGrpSpPr/>
+        <p:nvPr/>
+      </p:nvGrpSpPr>
+      <p:grpSpPr>
+        <a:xfrm>
+          <a:off x="0" y="0"/>
+          <a:ext cx="0" cy="0"/>
+          <a:chOff x="0" y="0"/>
+          <a:chExt cx="0" cy="0"/>
+        </a:xfrm>
+      </p:grpSpPr>
+      <p:sp>
+        <p:nvSpPr>
+          <p:cNvPr id="2" name="TextBox 1"/>
+          <p:cNvSpPr txBox="1"/>
+          <p:nvPr/>
+        </p:nvSpPr>
+        <p:spPr>
+          <a:xfrm>
+            <a:off x="3148148" y="0"/>
+            <a:ext cx="5277394" cy="1631216"/>
+          </a:xfrm>
+          <a:prstGeom prst="rect">
+            <a:avLst/>
+          </a:prstGeom>
+          <a:noFill/>
+        </p:spPr>
+        <p:txBody>
+          <a:bodyPr wrap="square" rtlCol="0">
+            <a:spAutoFit/>
+          </a:bodyPr>
+          <a:lstStyle/>
+          <a:p>
+            <a:pPr algn="ctr"/>
+            <a:r>
+              <a:rPr lang="en-US" sz="2800" b="1" dirty="0" smtClean="0"/>
+              <a:t>Ý </a:t>
+            </a:r>
+            <a:r>
+              <a:rPr lang="en-US" sz="2800" b="1" dirty="0" err="1" smtClean="0"/>
+              <a:t>nghĩa</a:t>
+            </a:r>
+            <a:r>
+              <a:rPr lang="en-US" sz="2800" b="1" dirty="0" smtClean="0"/>
+              <a:t> </a:t>
+            </a:r>
+            <a:r>
+              <a:rPr lang="en-US" sz="2800" b="1" dirty="0" err="1" smtClean="0"/>
+              <a:t>của</a:t>
+            </a:r>
+            <a:r>
+              <a:rPr lang="en-US" sz="2800" b="1" dirty="0" smtClean="0"/>
+              <a:t> </a:t>
+            </a:r>
+            <a:r>
+              <a:rPr lang="en-US" sz="2800" b="1" dirty="0" err="1" smtClean="0"/>
+              <a:t>mỗi</a:t>
+            </a:r>
+            <a:r>
+              <a:rPr lang="en-US" sz="2800" b="1" dirty="0" smtClean="0"/>
+              <a:t> </a:t>
+            </a:r>
+            <a:r>
+              <a:rPr lang="en-US" sz="2800" b="1" dirty="0" err="1" smtClean="0"/>
+              <a:t>cột</a:t>
+            </a:r>
+            <a:endParaRPr lang="en-US" sz="2800" b="1" dirty="0" smtClean="0"/>
+          </a:p>
+          <a:p>
+            <a:endParaRPr lang="en-US" dirty="0" smtClean="0"/>
+          </a:p>
+          <a:p>
+            <a:r>
+              <a:rPr lang="vi-VN" dirty="0" smtClean="0"/>
+              <a:t/>
+            </a:r>
+            <a:br>
+              <a:rPr lang="vi-VN" dirty="0" smtClean="0"/>
+            </a:br>
+            <a:endParaRPr lang="vi-VN" dirty="0" smtClean="0"/>
+          </a:p>
+          <a:p>
+            <a:endParaRPr lang="en-US" dirty="0"/>
+          </a:p>
+        </p:txBody>
+      </p:sp>
+      <p:graphicFrame>
+        <p:nvGraphicFramePr>
+          <p:cNvPr id="3" name="Table 2"/>
+          <p:cNvGraphicFramePr>
+            <a:graphicFrameLocks noGrp="1"/>
+          </p:cNvGraphicFramePr>
+          <p:nvPr/>
+        </p:nvGraphicFramePr>
+        <p:xfrm>
+          <a:off x="2032000" y="719666"/>
+          <a:ext cx="8128000" cy="5816600"/>
+        </p:xfrm>
+        <a:graphic>
+          <a:graphicData uri="http://schemas.openxmlformats.org/drawingml/2006/table">
+            <a:tbl>
+              <a:tblPr firstRow="1" bandRow="1">
+                <a:tableStyleId>{5C22544A-7EE6-4342-B048-85BDC9FD1C3A}</a:tableStyleId>
+              </a:tblPr>
+              <a:tblGrid>
+                <a:gridCol w="4064000"/>
+                <a:gridCol w="4064000"/>
+              </a:tblGrid>
+              <a:tr h="370840">
+                <a:tc>
+                  <a:txBody>
+                    <a:bodyPr/>
+                    <a:lstStyle/>
+                    <a:p>
+                      <a:pPr algn="l" fontAlgn="ctr"/>
+                      <a:r>
+                        <a:rPr lang="en-US" b="1" dirty="0" err="1"/>
+                        <a:t>Cột</a:t>
+                      </a:r>
+                      <a:endParaRPr lang="en-US" b="1" dirty="0"/>
+                    </a:p>
+                  </a:txBody>
+                  <a:tcPr marL="38100" marR="38100" marT="38100" marB="38100" anchor="ctr"/>
+                </a:tc>
+                <a:tc>
+                  <a:txBody>
+                    <a:bodyPr/>
+                    <a:lstStyle/>
+                    <a:p>
+                      <a:pPr algn="l" fontAlgn="ctr"/>
+                      <a:r>
+                        <a:rPr lang="en-US" b="1"/>
+                        <a:t>Ý nghĩa</a:t>
+                      </a:r>
+                    </a:p>
+                  </a:txBody>
+                  <a:tcPr marL="38100" marR="38100" marT="38100" marB="38100" anchor="ctr"/>
+                </a:tc>
+              </a:tr>
+              <a:tr h="370840">
+                <a:tc>
+                  <a:txBody>
+                    <a:bodyPr/>
+                    <a:lstStyle/>
+                    <a:p>
+                      <a:pPr algn="l" fontAlgn="ctr"/>
+                      <a:r>
+                        <a:rPr lang="en-US"/>
+                        <a:t>id</a:t>
+                      </a:r>
+                    </a:p>
+                  </a:txBody>
+                  <a:tcPr marL="38100" marR="38100" marT="38100" marB="38100" anchor="ctr"/>
+                </a:tc>
+                <a:tc>
+                  <a:txBody>
+                    <a:bodyPr/>
+                    <a:lstStyle/>
+                    <a:p>
+                      <a:pPr algn="l" fontAlgn="ctr"/>
+                      <a:r>
+                        <a:rPr lang="vi-VN"/>
+                        <a:t>Mã định danh cho từng dự án.</a:t>
+                      </a:r>
+                    </a:p>
+                  </a:txBody>
+                  <a:tcPr marL="38100" marR="38100" marT="38100" marB="38100" anchor="ctr"/>
+                </a:tc>
+              </a:tr>
+              <a:tr h="370840">
+                <a:tc>
+                  <a:txBody>
+                    <a:bodyPr/>
+                    <a:lstStyle/>
+                    <a:p>
+                      <a:pPr algn="l" fontAlgn="ctr"/>
+                      <a:r>
+                        <a:rPr lang="en-US"/>
+                        <a:t>name</a:t>
+                      </a:r>
+                    </a:p>
+                  </a:txBody>
+                  <a:tcPr marL="38100" marR="38100" marT="38100" marB="38100" anchor="ctr"/>
+                </a:tc>
+                <a:tc>
+                  <a:txBody>
+                    <a:bodyPr/>
+                    <a:lstStyle/>
+                    <a:p>
+                      <a:pPr algn="l" fontAlgn="ctr"/>
+                      <a:r>
+                        <a:rPr lang="en-US"/>
+                        <a:t>Tên của dự án.</a:t>
+                      </a:r>
+                    </a:p>
+                  </a:txBody>
+                  <a:tcPr marL="38100" marR="38100" marT="38100" marB="38100" anchor="ctr"/>
+                </a:tc>
+              </a:tr>
+              <a:tr h="370840">
+                <a:tc>
+                  <a:txBody>
+                    <a:bodyPr/>
+                    <a:lstStyle/>
+                    <a:p>
+                      <a:pPr algn="l" fontAlgn="ctr"/>
+                      <a:r>
+                        <a:rPr lang="en-US"/>
+                        <a:t>blurb</a:t>
+                      </a:r>
+                    </a:p>
+                  </a:txBody>
+                  <a:tcPr marL="38100" marR="38100" marT="38100" marB="38100" anchor="ctr"/>
+                </a:tc>
+                <a:tc>
+                  <a:txBody>
+                    <a:bodyPr/>
+                    <a:lstStyle/>
+                    <a:p>
+                      <a:pPr algn="l" fontAlgn="ctr"/>
+                      <a:r>
+                        <a:rPr lang="en-US"/>
+                        <a:t>Lời giới thiệu ngắn gọn về dự án.</a:t>
+                      </a:r>
+                    </a:p>
+                  </a:txBody>
+                  <a:tcPr marL="38100" marR="38100" marT="38100" marB="38100" anchor="ctr"/>
+                </a:tc>
+              </a:tr>
+              <a:tr h="370840">
+                <a:tc>
+                  <a:txBody>
+                    <a:bodyPr/>
+                    <a:lstStyle/>
+                    <a:p>
+                      <a:pPr algn="l" fontAlgn="ctr"/>
+                      <a:r>
+                        <a:rPr lang="en-US"/>
+                        <a:t>goal</a:t>
+                      </a:r>
+                    </a:p>
+                  </a:txBody>
+                  <a:tcPr marL="38100" marR="38100" marT="38100" marB="38100" anchor="ctr"/>
+                </a:tc>
+                <a:tc>
+                  <a:txBody>
+                    <a:bodyPr/>
+                    <a:lstStyle/>
+                    <a:p>
+                      <a:pPr algn="l" fontAlgn="ctr"/>
+                      <a:r>
+                        <a:rPr lang="en-US"/>
+                        <a:t>Số tiền dự án yêu cầu.</a:t>
+                      </a:r>
+                    </a:p>
+                  </a:txBody>
+                  <a:tcPr marL="38100" marR="38100" marT="38100" marB="38100" anchor="ctr"/>
+                </a:tc>
+              </a:tr>
+              <a:tr h="370840">
+                <a:tc>
+                  <a:txBody>
+                    <a:bodyPr/>
+                    <a:lstStyle/>
+                    <a:p>
+                      <a:pPr algn="l" fontAlgn="ctr"/>
+                      <a:r>
+                        <a:rPr lang="en-US"/>
+                        <a:t>pledged</a:t>
+                      </a:r>
+                    </a:p>
+                  </a:txBody>
+                  <a:tcPr marL="38100" marR="38100" marT="38100" marB="38100" anchor="ctr"/>
+                </a:tc>
+                <a:tc>
+                  <a:txBody>
+                    <a:bodyPr/>
+                    <a:lstStyle/>
+                    <a:p>
+                      <a:pPr algn="l" fontAlgn="ctr"/>
+                      <a:r>
+                        <a:rPr lang="vi-VN"/>
+                        <a:t>Số tiền đã kêu gọi thành công.</a:t>
+                      </a:r>
+                    </a:p>
+                  </a:txBody>
+                  <a:tcPr marL="38100" marR="38100" marT="38100" marB="38100" anchor="ctr"/>
+                </a:tc>
+              </a:tr>
+              <a:tr h="370840">
+                <a:tc>
+                  <a:txBody>
+                    <a:bodyPr/>
+                    <a:lstStyle/>
+                    <a:p>
+                      <a:pPr algn="l" fontAlgn="ctr"/>
+                      <a:r>
+                        <a:rPr lang="en-US"/>
+                        <a:t>country</a:t>
+                      </a:r>
+                    </a:p>
+                  </a:txBody>
+                  <a:tcPr marL="38100" marR="38100" marT="38100" marB="38100" anchor="ctr"/>
+                </a:tc>
+                <a:tc>
+                  <a:txBody>
+                    <a:bodyPr/>
+                    <a:lstStyle/>
+                    <a:p>
+                      <a:pPr algn="l" fontAlgn="ctr"/>
+                      <a:r>
+                        <a:rPr lang="vi-VN"/>
+                        <a:t>Quốc gia của người/nhóm chủ dự án.</a:t>
+                      </a:r>
+                    </a:p>
+                  </a:txBody>
+                  <a:tcPr marL="38100" marR="38100" marT="38100" marB="38100" anchor="ctr"/>
+                </a:tc>
+              </a:tr>
+              <a:tr h="370840">
+                <a:tc>
+                  <a:txBody>
+                    <a:bodyPr/>
+                    <a:lstStyle/>
+                    <a:p>
+                      <a:pPr algn="l" fontAlgn="ctr"/>
+                      <a:r>
+                        <a:rPr lang="en-US"/>
+                        <a:t>deadline</a:t>
+                      </a:r>
+                    </a:p>
+                  </a:txBody>
+                  <a:tcPr marL="38100" marR="38100" marT="38100" marB="38100" anchor="ctr"/>
+                </a:tc>
+                <a:tc>
+                  <a:txBody>
+                    <a:bodyPr/>
+                    <a:lstStyle/>
+                    <a:p>
+                      <a:pPr algn="l" fontAlgn="ctr"/>
+                      <a:r>
+                        <a:rPr lang="en-US"/>
+                        <a:t>Hạn chót kêu gọi góp vốn.</a:t>
+                      </a:r>
+                    </a:p>
+                  </a:txBody>
+                  <a:tcPr marL="38100" marR="38100" marT="38100" marB="38100" anchor="ctr"/>
+                </a:tc>
+              </a:tr>
+              <a:tr h="370840">
+                <a:tc>
+                  <a:txBody>
+                    <a:bodyPr/>
+                    <a:lstStyle/>
+                    <a:p>
+                      <a:pPr algn="l" fontAlgn="ctr"/>
+                      <a:r>
+                        <a:rPr lang="en-US"/>
+                        <a:t>create_at</a:t>
+                      </a:r>
+                    </a:p>
+                  </a:txBody>
+                  <a:tcPr marL="38100" marR="38100" marT="38100" marB="38100" anchor="ctr"/>
+                </a:tc>
+                <a:tc>
+                  <a:txBody>
+                    <a:bodyPr/>
+                    <a:lstStyle/>
+                    <a:p>
+                      <a:pPr algn="l" fontAlgn="ctr"/>
+                      <a:r>
+                        <a:rPr lang="en-US"/>
+                        <a:t>Ngày tạo dự án.</a:t>
+                      </a:r>
+                    </a:p>
+                  </a:txBody>
+                  <a:tcPr marL="38100" marR="38100" marT="38100" marB="38100" anchor="ctr"/>
+                </a:tc>
+              </a:tr>
+              <a:tr h="370840">
+                <a:tc>
+                  <a:txBody>
+                    <a:bodyPr/>
+                    <a:lstStyle/>
+                    <a:p>
+                      <a:pPr algn="l" fontAlgn="ctr"/>
+                      <a:r>
+                        <a:rPr lang="en-US"/>
+                        <a:t>launched_at</a:t>
+                      </a:r>
+                    </a:p>
+                  </a:txBody>
+                  <a:tcPr marL="38100" marR="38100" marT="38100" marB="38100" anchor="ctr"/>
+                </a:tc>
+                <a:tc>
+                  <a:txBody>
+                    <a:bodyPr/>
+                    <a:lstStyle/>
+                    <a:p>
+                      <a:pPr algn="l" fontAlgn="ctr"/>
+                      <a:r>
+                        <a:rPr lang="vi-VN"/>
+                        <a:t>Ngày bắt đầu kêu gọi góp vốn.</a:t>
+                      </a:r>
+                    </a:p>
+                  </a:txBody>
+                  <a:tcPr marL="38100" marR="38100" marT="38100" marB="38100" anchor="ctr"/>
+                </a:tc>
+              </a:tr>
+              <a:tr h="370840">
+                <a:tc>
+                  <a:txBody>
+                    <a:bodyPr/>
+                    <a:lstStyle/>
+                    <a:p>
+                      <a:pPr algn="l" fontAlgn="ctr"/>
+                      <a:r>
+                        <a:rPr lang="en-US"/>
+                        <a:t>backers_count</a:t>
+                      </a:r>
+                    </a:p>
+                  </a:txBody>
+                  <a:tcPr marL="38100" marR="38100" marT="38100" marB="38100" anchor="ctr"/>
+                </a:tc>
+                <a:tc>
+                  <a:txBody>
+                    <a:bodyPr/>
+                    <a:lstStyle/>
+                    <a:p>
+                      <a:pPr algn="l" fontAlgn="ctr"/>
+                      <a:r>
+                        <a:rPr lang="vi-VN"/>
+                        <a:t>Số người đã góp vốn cho dự án.</a:t>
+                      </a:r>
+                    </a:p>
+                  </a:txBody>
+                  <a:tcPr marL="38100" marR="38100" marT="38100" marB="38100" anchor="ctr"/>
+                </a:tc>
+              </a:tr>
+              <a:tr h="370840">
+                <a:tc>
+                  <a:txBody>
+                    <a:bodyPr/>
+                    <a:lstStyle/>
+                    <a:p>
+                      <a:pPr algn="l" fontAlgn="ctr"/>
+                      <a:r>
+                        <a:rPr lang="en-US"/>
+                        <a:t>fx_rate</a:t>
+                      </a:r>
+                    </a:p>
+                  </a:txBody>
+                  <a:tcPr marL="38100" marR="38100" marT="38100" marB="38100" anchor="ctr"/>
+                </a:tc>
+                <a:tc>
+                  <a:txBody>
+                    <a:bodyPr/>
+                    <a:lstStyle/>
+                    <a:p>
+                      <a:pPr algn="l" fontAlgn="ctr"/>
+                      <a:r>
+                        <a:rPr lang="vi-VN"/>
+                        <a:t>Tỷ giá các đơn vị tiền tệ so với đơn vị tiền tệ được chọn</a:t>
+                      </a:r>
+                    </a:p>
+                  </a:txBody>
+                  <a:tcPr marL="38100" marR="38100" marT="38100" marB="38100" anchor="ctr"/>
+                </a:tc>
+              </a:tr>
+              <a:tr h="370840">
+                <a:tc>
+                  <a:txBody>
+                    <a:bodyPr/>
+                    <a:lstStyle/>
+                    <a:p>
+                      <a:pPr algn="l" fontAlgn="ctr"/>
+                      <a:r>
+                        <a:rPr lang="en-US"/>
+                        <a:t>category</a:t>
+                      </a:r>
+                    </a:p>
+                  </a:txBody>
+                  <a:tcPr marL="38100" marR="38100" marT="38100" marB="38100" anchor="ctr"/>
+                </a:tc>
+                <a:tc>
+                  <a:txBody>
+                    <a:bodyPr/>
+                    <a:lstStyle/>
+                    <a:p>
+                      <a:pPr algn="l" fontAlgn="ctr"/>
+                      <a:r>
+                        <a:rPr lang="en-US"/>
+                        <a:t>Thể loại của dự án.</a:t>
+                      </a:r>
+                    </a:p>
+                  </a:txBody>
+                  <a:tcPr marL="38100" marR="38100" marT="38100" marB="38100" anchor="ctr"/>
+                </a:tc>
+              </a:tr>
+              <a:tr h="370840">
+                <a:tc>
+                  <a:txBody>
+                    <a:bodyPr/>
+                    <a:lstStyle/>
+                    <a:p>
+                      <a:pPr algn="l" fontAlgn="ctr"/>
+                      <a:r>
+                        <a:rPr lang="en-US"/>
+                        <a:t>main_category</a:t>
+                      </a:r>
+                    </a:p>
+                  </a:txBody>
+                  <a:tcPr marL="38100" marR="38100" marT="38100" marB="38100" anchor="ctr"/>
+                </a:tc>
+                <a:tc>
+                  <a:txBody>
+                    <a:bodyPr/>
+                    <a:lstStyle/>
+                    <a:p>
+                      <a:pPr algn="l" fontAlgn="ctr"/>
+                      <a:r>
+                        <a:rPr lang="en-US"/>
+                        <a:t>Thể loại chính của dự án.</a:t>
+                      </a:r>
+                    </a:p>
+                  </a:txBody>
+                  <a:tcPr marL="38100" marR="38100" marT="38100" marB="38100" anchor="ctr"/>
+                </a:tc>
+              </a:tr>
+              <a:tr h="370840">
+                <a:tc>
+                  <a:txBody>
+                    <a:bodyPr/>
+                    <a:lstStyle/>
+                    <a:p>
+                      <a:pPr algn="l" fontAlgn="ctr"/>
+                      <a:r>
+                        <a:rPr lang="en-US"/>
+                        <a:t>state</a:t>
+                      </a:r>
+                    </a:p>
+                  </a:txBody>
+                  <a:tcPr marL="38100" marR="38100" marT="38100" marB="38100" anchor="ctr"/>
+                </a:tc>
+                <a:tc>
+                  <a:txBody>
+                    <a:bodyPr/>
+                    <a:lstStyle/>
+                    <a:p>
+                      <a:pPr algn="l" fontAlgn="ctr"/>
+                      <a:r>
+                        <a:rPr lang="en-US" dirty="0" err="1"/>
+                        <a:t>Kết</a:t>
+                      </a:r>
+                      <a:r>
+                        <a:rPr lang="en-US" dirty="0"/>
+                        <a:t> </a:t>
+                      </a:r>
+                      <a:r>
+                        <a:rPr lang="en-US" dirty="0" err="1"/>
+                        <a:t>quả</a:t>
+                      </a:r>
+                      <a:r>
+                        <a:rPr lang="en-US" dirty="0"/>
+                        <a:t> </a:t>
+                      </a:r>
+                      <a:r>
+                        <a:rPr lang="en-US" dirty="0" err="1"/>
+                        <a:t>gọi</a:t>
+                      </a:r>
+                      <a:r>
+                        <a:rPr lang="en-US" dirty="0"/>
+                        <a:t> </a:t>
+                      </a:r>
+                      <a:r>
+                        <a:rPr lang="en-US" dirty="0" err="1"/>
+                        <a:t>vốn</a:t>
+                      </a:r>
+                      <a:r>
+                        <a:rPr lang="en-US" dirty="0"/>
+                        <a:t> </a:t>
+                      </a:r>
+                      <a:r>
+                        <a:rPr lang="en-US" dirty="0" err="1"/>
+                        <a:t>của</a:t>
+                      </a:r>
+                      <a:r>
+                        <a:rPr lang="en-US" dirty="0"/>
+                        <a:t> </a:t>
+                      </a:r>
+                      <a:r>
+                        <a:rPr lang="en-US" dirty="0" err="1"/>
+                        <a:t>dự</a:t>
+                      </a:r>
+                      <a:r>
+                        <a:rPr lang="en-US" dirty="0"/>
+                        <a:t> </a:t>
+                      </a:r>
+                      <a:r>
+                        <a:rPr lang="en-US" dirty="0" err="1"/>
+                        <a:t>án</a:t>
+                      </a:r>
+                      <a:r>
+                        <a:rPr lang="en-US" dirty="0"/>
+                        <a:t>.</a:t>
+                      </a:r>
+                    </a:p>
+                  </a:txBody>
+                  <a:tcPr marL="38100" marR="38100" marT="38100" marB="38100" anchor="ctr"/>
+                </a:tc>
+              </a:tr>
+            </a:tbl>
+          </a:graphicData>
+        </a:graphic>
+      </p:graphicFrame>
+    </p:spTree>
   </p:cSld>
   <p:clrMapOvr>
     <a:masterClrMapping/>
@@ -6339,7 +9138,7 @@
     </a:clrScheme>
     <a:fontScheme name="Office">
       <a:majorFont>
-        <a:latin typeface="Calibri Light" panose="020F0302020204030204"/>
+        <a:latin typeface="Calibri Light"/>
         <a:ea typeface=""/>
         <a:cs typeface=""/>
         <a:font script="Jpan" typeface="游ゴシック Light"/>
@@ -6391,7 +9190,7 @@
         <a:font script="Tfng" typeface="Ebrima"/>
       </a:majorFont>
       <a:minorFont>
-        <a:latin typeface="Calibri" panose="020F0502020204030204"/>
+        <a:latin typeface="Calibri"/>
         <a:ea typeface=""/>
         <a:cs typeface=""/>
         <a:font script="Jpan" typeface="游ゴシック"/>
@@ -6585,7 +9384,7 @@
   <a:extraClrSchemeLst/>
   <a:extLst>
     <a:ext uri="{05A4C25C-085E-4340-85A3-A5531E510DB2}">
-      <thm15:themeFamily xmlns:thm15="http://schemas.microsoft.com/office/thememl/2012/main" name="Office Theme" id="{62F939B6-93AF-4DB8-9C6B-D6C7DFDC589F}" vid="{4A3C46E8-61CC-4603-A589-7422A47A8E4A}"/>
+      <thm15:themeFamily xmlns:thm15="http://schemas.microsoft.com/office/thememl/2012/main" xmlns="" name="Office Theme" id="{62F939B6-93AF-4DB8-9C6B-D6C7DFDC589F}" vid="{4A3C46E8-61CC-4603-A589-7422A47A8E4A}"/>
     </a:ext>
   </a:extLst>
 </a:theme>
